--- a/Video Ver1/Video PPT/15. one-to-one Relationship.pptx
+++ b/Video Ver1/Video PPT/15. one-to-one Relationship.pptx
@@ -5,13 +5,14 @@
     <p:sldMasterId id="2147483648" r:id="rId1"/>
   </p:sldMasterIdLst>
   <p:notesMasterIdLst>
-    <p:notesMasterId r:id="rId6"/>
+    <p:notesMasterId r:id="rId7"/>
   </p:notesMasterIdLst>
   <p:sldIdLst>
     <p:sldId id="1189" r:id="rId2"/>
-    <p:sldId id="1190" r:id="rId3"/>
-    <p:sldId id="1191" r:id="rId4"/>
-    <p:sldId id="1192" r:id="rId5"/>
+    <p:sldId id="1193" r:id="rId3"/>
+    <p:sldId id="1190" r:id="rId4"/>
+    <p:sldId id="1191" r:id="rId5"/>
+    <p:sldId id="1192" r:id="rId6"/>
   </p:sldIdLst>
   <p:sldSz cx="12190413" cy="6858000"/>
   <p:notesSz cx="6858000" cy="9144000"/>
@@ -112,7 +113,7 @@
   </p:defaultTextStyle>
   <p:extLst>
     <p:ext uri="{521415D9-36F7-43E2-AB2F-B90AF26B5E84}">
-      <p14:sectionLst xmlns="" xmlns:p14="http://schemas.microsoft.com/office/powerpoint/2010/main">
+      <p14:sectionLst xmlns:p14="http://schemas.microsoft.com/office/powerpoint/2010/main" xmlns="">
         <p14:section name="Introduction" id="{A3D14946-8297-4856-B082-4FEFA482017C}">
           <p14:sldIdLst>
             <p14:sldId id="1189"/>
@@ -150,7 +151,7 @@
       </p14:sectionLst>
     </p:ext>
     <p:ext uri="{EFAFB233-063F-42B5-8137-9DF3F51BA10A}">
-      <p15:sldGuideLst xmlns="" xmlns:p15="http://schemas.microsoft.com/office/powerpoint/2012/main">
+      <p15:sldGuideLst xmlns:p15="http://schemas.microsoft.com/office/powerpoint/2012/main" xmlns="">
         <p15:guide id="1" orient="horz" pos="2160">
           <p15:clr>
             <a:srgbClr val="A4A3A4"/>
@@ -172,7 +173,7 @@
   <p:cmAuthor id="1" name="Saleel" initials="S" lastIdx="1" clrIdx="0">
     <p:extLst>
       <p:ext uri="{19B8F6BF-5375-455C-9EA6-DF929625EA0E}">
-        <p15:presenceInfo xmlns="" xmlns:p15="http://schemas.microsoft.com/office/powerpoint/2012/main" userId="Saleel" providerId="None"/>
+        <p15:presenceInfo xmlns:p15="http://schemas.microsoft.com/office/powerpoint/2012/main" xmlns="" userId="Saleel" providerId="None"/>
       </p:ext>
     </p:extLst>
   </p:cmAuthor>
@@ -262,7 +263,7 @@
             <a:fld id="{4DF51050-3720-483B-B552-57DC1341D582}" type="datetimeFigureOut">
               <a:rPr lang="en-US" smtClean="0"/>
               <a:pPr/>
-              <a:t>6/15/2020</a:t>
+              <a:t>6/20/2020</a:t>
             </a:fld>
             <a:endParaRPr lang="en-US"/>
           </a:p>
@@ -721,7 +722,7 @@
             <a:fld id="{EEE556E8-492E-4E8F-8E7F-7A7787724D01}" type="datetimeFigureOut">
               <a:rPr lang="en-US" smtClean="0"/>
               <a:pPr/>
-              <a:t>6/15/2020</a:t>
+              <a:t>6/20/2020</a:t>
             </a:fld>
             <a:endParaRPr lang="en-US"/>
           </a:p>
@@ -926,7 +927,7 @@
             <a:fld id="{EEE556E8-492E-4E8F-8E7F-7A7787724D01}" type="datetimeFigureOut">
               <a:rPr lang="en-US" smtClean="0"/>
               <a:pPr/>
-              <a:t>6/15/2020</a:t>
+              <a:t>6/20/2020</a:t>
             </a:fld>
             <a:endParaRPr lang="en-US"/>
           </a:p>
@@ -1131,7 +1132,7 @@
             <a:fld id="{EEE556E8-492E-4E8F-8E7F-7A7787724D01}" type="datetimeFigureOut">
               <a:rPr lang="en-US" smtClean="0"/>
               <a:pPr/>
-              <a:t>6/15/2020</a:t>
+              <a:t>6/20/2020</a:t>
             </a:fld>
             <a:endParaRPr lang="en-US"/>
           </a:p>
@@ -1336,7 +1337,7 @@
             <a:fld id="{EEE556E8-492E-4E8F-8E7F-7A7787724D01}" type="datetimeFigureOut">
               <a:rPr lang="en-US" smtClean="0"/>
               <a:pPr/>
-              <a:t>6/15/2020</a:t>
+              <a:t>6/20/2020</a:t>
             </a:fld>
             <a:endParaRPr lang="en-US"/>
           </a:p>
@@ -1608,7 +1609,7 @@
             <a:fld id="{EEE556E8-492E-4E8F-8E7F-7A7787724D01}" type="datetimeFigureOut">
               <a:rPr lang="en-US" smtClean="0"/>
               <a:pPr/>
-              <a:t>6/15/2020</a:t>
+              <a:t>6/20/2020</a:t>
             </a:fld>
             <a:endParaRPr lang="en-US"/>
           </a:p>
@@ -1928,7 +1929,7 @@
             <a:fld id="{EEE556E8-492E-4E8F-8E7F-7A7787724D01}" type="datetimeFigureOut">
               <a:rPr lang="en-US" smtClean="0"/>
               <a:pPr/>
-              <a:t>6/15/2020</a:t>
+              <a:t>6/20/2020</a:t>
             </a:fld>
             <a:endParaRPr lang="en-US"/>
           </a:p>
@@ -2388,7 +2389,7 @@
             <a:fld id="{EEE556E8-492E-4E8F-8E7F-7A7787724D01}" type="datetimeFigureOut">
               <a:rPr lang="en-US" smtClean="0"/>
               <a:pPr/>
-              <a:t>6/15/2020</a:t>
+              <a:t>6/20/2020</a:t>
             </a:fld>
             <a:endParaRPr lang="en-US"/>
           </a:p>
@@ -2534,7 +2535,7 @@
             <a:fld id="{EEE556E8-492E-4E8F-8E7F-7A7787724D01}" type="datetimeFigureOut">
               <a:rPr lang="en-US" smtClean="0"/>
               <a:pPr/>
-              <a:t>6/15/2020</a:t>
+              <a:t>6/20/2020</a:t>
             </a:fld>
             <a:endParaRPr lang="en-US"/>
           </a:p>
@@ -2864,7 +2865,7 @@
             <a:fld id="{EEE556E8-492E-4E8F-8E7F-7A7787724D01}" type="datetimeFigureOut">
               <a:rPr lang="en-US" smtClean="0"/>
               <a:pPr/>
-              <a:t>6/15/2020</a:t>
+              <a:t>6/20/2020</a:t>
             </a:fld>
             <a:endParaRPr lang="en-US"/>
           </a:p>
@@ -3146,7 +3147,7 @@
             <a:fld id="{EEE556E8-492E-4E8F-8E7F-7A7787724D01}" type="datetimeFigureOut">
               <a:rPr lang="en-US" smtClean="0"/>
               <a:pPr/>
-              <a:t>6/15/2020</a:t>
+              <a:t>6/20/2020</a:t>
             </a:fld>
             <a:endParaRPr lang="en-US"/>
           </a:p>
@@ -3572,7 +3573,7 @@
           <p:cNvPr id="3" name="Picture 2">
             <a:extLst>
               <a:ext uri="{FF2B5EF4-FFF2-40B4-BE49-F238E27FC236}">
-                <a16:creationId xmlns="" xmlns:a16="http://schemas.microsoft.com/office/drawing/2014/main" id="{B5C1FD02-D961-4CAF-BF5C-47309320BDE6}"/>
+                <a16:creationId xmlns:a16="http://schemas.microsoft.com/office/drawing/2014/main" xmlns="" id="{B5C1FD02-D961-4CAF-BF5C-47309320BDE6}"/>
               </a:ext>
             </a:extLst>
           </p:cNvPr>
@@ -3585,7 +3586,7 @@
           <a:blip r:embed="rId2" cstate="print">
             <a:extLst>
               <a:ext uri="{28A0092B-C50C-407E-A947-70E740481C1C}">
-                <a14:useLocalDpi xmlns="" xmlns:a14="http://schemas.microsoft.com/office/drawing/2010/main" val="0"/>
+                <a14:useLocalDpi xmlns:a14="http://schemas.microsoft.com/office/drawing/2010/main" xmlns="" val="0"/>
               </a:ext>
             </a:extLst>
           </a:blip>
@@ -3608,7 +3609,7 @@
           <p:cNvPr id="4" name="Footer Placeholder 2">
             <a:extLst>
               <a:ext uri="{FF2B5EF4-FFF2-40B4-BE49-F238E27FC236}">
-                <a16:creationId xmlns="" xmlns:a16="http://schemas.microsoft.com/office/drawing/2014/main" id="{8AC76C4F-4C95-4C8D-AF8A-E786504CFA0E}"/>
+                <a16:creationId xmlns:a16="http://schemas.microsoft.com/office/drawing/2014/main" xmlns="" id="{8AC76C4F-4C95-4C8D-AF8A-E786504CFA0E}"/>
               </a:ext>
             </a:extLst>
           </p:cNvPr>
@@ -3735,55 +3736,10 @@
           </a:p>
         </p:txBody>
       </p:sp>
-      <p:sp>
-        <p:nvSpPr>
-          <p:cNvPr id="6" name="Rectangle 5"/>
-          <p:cNvSpPr/>
-          <p:nvPr/>
-        </p:nvSpPr>
-        <p:spPr>
-          <a:xfrm>
-            <a:off x="951670" y="2357430"/>
-            <a:ext cx="10644262" cy="923330"/>
-          </a:xfrm>
-          <a:prstGeom prst="rect">
-            <a:avLst/>
-          </a:prstGeom>
-        </p:spPr>
-        <p:txBody>
-          <a:bodyPr wrap="square">
-            <a:spAutoFit/>
-          </a:bodyPr>
-          <a:lstStyle/>
-          <a:p>
-            <a:r>
-              <a:rPr lang="en-US" dirty="0" smtClean="0">
-                <a:latin typeface="Palatino Linotype" pitchFamily="18" charset="0"/>
-              </a:rPr>
-              <a:t>A </a:t>
-            </a:r>
-            <a:r>
-              <a:rPr lang="en-US" i="1" dirty="0" smtClean="0">
-                <a:latin typeface="Palatino Linotype" pitchFamily="18" charset="0"/>
-              </a:rPr>
-              <a:t>one-to-one</a:t>
-            </a:r>
-            <a:r>
-              <a:rPr lang="en-US" dirty="0" smtClean="0">
-                <a:latin typeface="Palatino Linotype" pitchFamily="18" charset="0"/>
-              </a:rPr>
-              <a:t> relationship between two tables means that a row in one table can only relate to one row in the table on the other side of their relationship and vice versa. This is the least common database relationship.</a:t>
-            </a:r>
-            <a:endParaRPr lang="en-US" dirty="0">
-              <a:latin typeface="Palatino Linotype" pitchFamily="18" charset="0"/>
-            </a:endParaRPr>
-          </a:p>
-        </p:txBody>
-      </p:sp>
     </p:spTree>
     <p:extLst>
       <p:ext uri="{BB962C8B-B14F-4D97-AF65-F5344CB8AC3E}">
-        <p14:creationId xmlns="" xmlns:p14="http://schemas.microsoft.com/office/powerpoint/2010/main" val="1792769669"/>
+        <p14:creationId xmlns:p14="http://schemas.microsoft.com/office/powerpoint/2010/main" xmlns="" val="1792769669"/>
       </p:ext>
     </p:extLst>
   </p:cSld>
@@ -3817,12 +3773,52 @@
           <a:chExt cx="0" cy="0"/>
         </a:xfrm>
       </p:grpSpPr>
+      <p:sp>
+        <p:nvSpPr>
+          <p:cNvPr id="2" name="Title 1"/>
+          <p:cNvSpPr txBox="1">
+            <a:spLocks/>
+          </p:cNvSpPr>
+          <p:nvPr/>
+        </p:nvSpPr>
+        <p:spPr>
+          <a:xfrm>
+            <a:off x="1676182" y="1290464"/>
+            <a:ext cx="8838049" cy="914400"/>
+          </a:xfrm>
+          <a:prstGeom prst="rect">
+            <a:avLst/>
+          </a:prstGeom>
+        </p:spPr>
+        <p:txBody>
+          <a:bodyPr>
+            <a:normAutofit/>
+          </a:bodyPr>
+          <a:lstStyle/>
+          <a:p>
+            <a:pPr algn="ctr">
+              <a:spcBef>
+                <a:spcPct val="0"/>
+              </a:spcBef>
+              <a:defRPr/>
+            </a:pPr>
+            <a:r>
+              <a:rPr lang="en-US" sz="4800" dirty="0" smtClean="0"/>
+              <a:t>one-to-one Relationship</a:t>
+            </a:r>
+            <a:endParaRPr lang="en-IN" sz="4800" dirty="0">
+              <a:latin typeface="Segoe UI Light" panose="020B0502040204020203" pitchFamily="34" charset="0"/>
+              <a:cs typeface="Segoe UI Light" panose="020B0502040204020203" pitchFamily="34" charset="0"/>
+            </a:endParaRPr>
+          </a:p>
+        </p:txBody>
+      </p:sp>
       <p:pic>
         <p:nvPicPr>
           <p:cNvPr id="3" name="Picture 2">
             <a:extLst>
               <a:ext uri="{FF2B5EF4-FFF2-40B4-BE49-F238E27FC236}">
-                <a16:creationId xmlns="" xmlns:a16="http://schemas.microsoft.com/office/drawing/2014/main" id="{B5C1FD02-D961-4CAF-BF5C-47309320BDE6}"/>
+                <a16:creationId xmlns:a16="http://schemas.microsoft.com/office/drawing/2014/main" xmlns="" id="{B5C1FD02-D961-4CAF-BF5C-47309320BDE6}"/>
               </a:ext>
             </a:extLst>
           </p:cNvPr>
@@ -3835,7 +3831,7 @@
           <a:blip r:embed="rId2" cstate="print">
             <a:extLst>
               <a:ext uri="{28A0092B-C50C-407E-A947-70E740481C1C}">
-                <a14:useLocalDpi xmlns="" xmlns:a14="http://schemas.microsoft.com/office/drawing/2010/main" val="0"/>
+                <a14:useLocalDpi xmlns:a14="http://schemas.microsoft.com/office/drawing/2010/main" xmlns="" val="0"/>
               </a:ext>
             </a:extLst>
           </a:blip>
@@ -3858,7 +3854,7 @@
           <p:cNvPr id="4" name="Footer Placeholder 2">
             <a:extLst>
               <a:ext uri="{FF2B5EF4-FFF2-40B4-BE49-F238E27FC236}">
-                <a16:creationId xmlns="" xmlns:a16="http://schemas.microsoft.com/office/drawing/2014/main" id="{8AC76C4F-4C95-4C8D-AF8A-E786504CFA0E}"/>
+                <a16:creationId xmlns:a16="http://schemas.microsoft.com/office/drawing/2014/main" xmlns="" id="{8AC76C4F-4C95-4C8D-AF8A-E786504CFA0E}"/>
               </a:ext>
             </a:extLst>
           </p:cNvPr>
@@ -3985,56 +3981,20 @@
           </a:p>
         </p:txBody>
       </p:sp>
-      <p:pic>
-        <p:nvPicPr>
-          <p:cNvPr id="1026" name="Picture 2"/>
-          <p:cNvPicPr>
-            <a:picLocks noChangeAspect="1" noChangeArrowheads="1"/>
-          </p:cNvPicPr>
-          <p:nvPr/>
-        </p:nvPicPr>
-        <p:blipFill>
-          <a:blip r:embed="rId3"/>
-          <a:srcRect/>
-          <a:stretch>
-            <a:fillRect/>
-          </a:stretch>
-        </p:blipFill>
-        <p:spPr bwMode="auto">
-          <a:xfrm>
-            <a:off x="1380298" y="2643182"/>
-            <a:ext cx="9544050" cy="2085975"/>
-          </a:xfrm>
-          <a:prstGeom prst="rect">
-            <a:avLst/>
-          </a:prstGeom>
-          <a:noFill/>
-          <a:ln w="9525">
-            <a:noFill/>
-            <a:miter lim="800000"/>
-            <a:headEnd/>
-            <a:tailEnd/>
-          </a:ln>
-          <a:effectLst/>
-        </p:spPr>
-      </p:pic>
-      <p:sp>
-        <p:nvSpPr>
-          <p:cNvPr id="7" name="Rectangle 6"/>
+      <p:sp>
+        <p:nvSpPr>
+          <p:cNvPr id="6" name="Rectangle 5"/>
           <p:cNvSpPr/>
           <p:nvPr/>
         </p:nvSpPr>
         <p:spPr>
           <a:xfrm>
-            <a:off x="1523802" y="2"/>
-            <a:ext cx="9142810" cy="584775"/>
-          </a:xfrm>
-          <a:prstGeom prst="rect">
-            <a:avLst/>
-          </a:prstGeom>
-          <a:solidFill>
-            <a:schemeClr val="bg1"/>
-          </a:solidFill>
+            <a:off x="951670" y="2357430"/>
+            <a:ext cx="10644262" cy="923330"/>
+          </a:xfrm>
+          <a:prstGeom prst="rect">
+            <a:avLst/>
+          </a:prstGeom>
         </p:spPr>
         <p:txBody>
           <a:bodyPr wrap="square">
@@ -4042,62 +4002,34 @@
           </a:bodyPr>
           <a:lstStyle/>
           <a:p>
-            <a:pPr algn="r"/>
-            <a:r>
-              <a:rPr lang="en-US" sz="3200" b="1" i="1" dirty="0" smtClean="0">
-                <a:latin typeface="Arial" pitchFamily="34" charset="0"/>
-                <a:cs typeface="Arial" pitchFamily="34" charset="0"/>
+            <a:r>
+              <a:rPr lang="en-US" dirty="0" smtClean="0">
+                <a:latin typeface="Palatino Linotype" pitchFamily="18" charset="0"/>
               </a:rPr>
-              <a:t>one-to-one relationship</a:t>
-            </a:r>
-            <a:endParaRPr lang="en-IN" sz="3200" b="1" i="1" dirty="0">
-              <a:latin typeface="Arial" pitchFamily="34" charset="0"/>
-              <a:cs typeface="Arial" pitchFamily="34" charset="0"/>
+              <a:t>A </a:t>
+            </a:r>
+            <a:r>
+              <a:rPr lang="en-US" i="1" dirty="0" smtClean="0">
+                <a:latin typeface="Palatino Linotype" pitchFamily="18" charset="0"/>
+              </a:rPr>
+              <a:t>one-to-one</a:t>
+            </a:r>
+            <a:r>
+              <a:rPr lang="en-US" dirty="0" smtClean="0">
+                <a:latin typeface="Palatino Linotype" pitchFamily="18" charset="0"/>
+              </a:rPr>
+              <a:t> relationship between two tables means that a row in one table can only relate to one row in the table on the other side of their relationship and vice versa. This is the least common database relationship.</a:t>
+            </a:r>
+            <a:endParaRPr lang="en-US" dirty="0">
+              <a:latin typeface="Palatino Linotype" pitchFamily="18" charset="0"/>
             </a:endParaRPr>
-          </a:p>
-        </p:txBody>
-      </p:sp>
-      <p:sp>
-        <p:nvSpPr>
-          <p:cNvPr id="8" name="Rectangle 7"/>
-          <p:cNvSpPr/>
-          <p:nvPr/>
-        </p:nvSpPr>
-        <p:spPr>
-          <a:xfrm>
-            <a:off x="1237422" y="1214422"/>
-            <a:ext cx="9572692" cy="923330"/>
-          </a:xfrm>
-          <a:prstGeom prst="rect">
-            <a:avLst/>
-          </a:prstGeom>
-        </p:spPr>
-        <p:txBody>
-          <a:bodyPr wrap="square">
-            <a:spAutoFit/>
-          </a:bodyPr>
-          <a:lstStyle/>
-          <a:p>
-            <a:r>
-              <a:rPr lang="en-US" dirty="0" smtClean="0"/>
-              <a:t>A one-to-one relationship is a type of cardinality that refers to the relationship between two entities A and B in which one element of entity A may only be linked </a:t>
-            </a:r>
-            <a:r>
-              <a:rPr lang="en-US" smtClean="0"/>
-              <a:t>to one element of entity B</a:t>
-            </a:r>
-            <a:r>
-              <a:rPr lang="en-US" dirty="0" smtClean="0"/>
-              <a:t>, and vice versa.</a:t>
-            </a:r>
-            <a:endParaRPr lang="en-US" dirty="0"/>
           </a:p>
         </p:txBody>
       </p:sp>
     </p:spTree>
     <p:extLst>
       <p:ext uri="{BB962C8B-B14F-4D97-AF65-F5344CB8AC3E}">
-        <p14:creationId xmlns="" xmlns:p14="http://schemas.microsoft.com/office/powerpoint/2010/main" val="1792769669"/>
+        <p14:creationId xmlns:p14="http://schemas.microsoft.com/office/powerpoint/2010/main" xmlns="" val="1792769669"/>
       </p:ext>
     </p:extLst>
   </p:cSld>
@@ -4136,7 +4068,7 @@
           <p:cNvPr id="3" name="Picture 2">
             <a:extLst>
               <a:ext uri="{FF2B5EF4-FFF2-40B4-BE49-F238E27FC236}">
-                <a16:creationId xmlns="" xmlns:a16="http://schemas.microsoft.com/office/drawing/2014/main" id="{B5C1FD02-D961-4CAF-BF5C-47309320BDE6}"/>
+                <a16:creationId xmlns:a16="http://schemas.microsoft.com/office/drawing/2014/main" xmlns="" id="{B5C1FD02-D961-4CAF-BF5C-47309320BDE6}"/>
               </a:ext>
             </a:extLst>
           </p:cNvPr>
@@ -4149,7 +4081,7 @@
           <a:blip r:embed="rId2" cstate="print">
             <a:extLst>
               <a:ext uri="{28A0092B-C50C-407E-A947-70E740481C1C}">
-                <a14:useLocalDpi xmlns="" xmlns:a14="http://schemas.microsoft.com/office/drawing/2010/main" val="0"/>
+                <a14:useLocalDpi xmlns:a14="http://schemas.microsoft.com/office/drawing/2010/main" xmlns="" val="0"/>
               </a:ext>
             </a:extLst>
           </a:blip>
@@ -4172,7 +4104,7 @@
           <p:cNvPr id="4" name="Footer Placeholder 2">
             <a:extLst>
               <a:ext uri="{FF2B5EF4-FFF2-40B4-BE49-F238E27FC236}">
-                <a16:creationId xmlns="" xmlns:a16="http://schemas.microsoft.com/office/drawing/2014/main" id="{8AC76C4F-4C95-4C8D-AF8A-E786504CFA0E}"/>
+                <a16:creationId xmlns:a16="http://schemas.microsoft.com/office/drawing/2014/main" xmlns="" id="{8AC76C4F-4C95-4C8D-AF8A-E786504CFA0E}"/>
               </a:ext>
             </a:extLst>
           </p:cNvPr>
@@ -4299,180 +4231,9 @@
           </a:p>
         </p:txBody>
       </p:sp>
-      <p:sp>
-        <p:nvSpPr>
-          <p:cNvPr id="5" name="Rectangle 4"/>
-          <p:cNvSpPr/>
-          <p:nvPr/>
-        </p:nvSpPr>
-        <p:spPr>
-          <a:xfrm>
-            <a:off x="594480" y="763486"/>
-            <a:ext cx="4429155" cy="2308324"/>
-          </a:xfrm>
-          <a:prstGeom prst="rect">
-            <a:avLst/>
-          </a:prstGeom>
-        </p:spPr>
-        <p:txBody>
-          <a:bodyPr wrap="square">
-            <a:spAutoFit/>
-          </a:bodyPr>
-          <a:lstStyle/>
-          <a:p>
-            <a:r>
-              <a:rPr lang="en-US" dirty="0" smtClean="0"/>
-              <a:t>CREATE TABLE student (  </a:t>
-            </a:r>
-          </a:p>
-          <a:p>
-            <a:r>
-              <a:rPr lang="en-US" dirty="0" smtClean="0"/>
-              <a:t>   ID INT(11) PRIMARY KEY,</a:t>
-            </a:r>
-          </a:p>
-          <a:p>
-            <a:r>
-              <a:rPr lang="en-US" dirty="0" smtClean="0"/>
-              <a:t>   firstName VARCHAR(45), </a:t>
-            </a:r>
-          </a:p>
-          <a:p>
-            <a:r>
-              <a:rPr lang="en-US" dirty="0" smtClean="0"/>
-              <a:t>   lastName VARCHAR(45),</a:t>
-            </a:r>
-          </a:p>
-          <a:p>
-            <a:r>
-              <a:rPr lang="en-US" dirty="0" smtClean="0"/>
-              <a:t>   DoB DATE,</a:t>
-            </a:r>
-          </a:p>
-          <a:p>
-            <a:r>
-              <a:rPr lang="en-US" dirty="0" smtClean="0"/>
-              <a:t>   emailID VARCHAR(145)</a:t>
-            </a:r>
-          </a:p>
-          <a:p>
-            <a:r>
-              <a:rPr lang="en-US" dirty="0" smtClean="0"/>
-              <a:t> );</a:t>
-            </a:r>
-          </a:p>
-          <a:p>
-            <a:endParaRPr lang="en-US" dirty="0" smtClean="0"/>
-          </a:p>
-        </p:txBody>
-      </p:sp>
-      <p:sp>
-        <p:nvSpPr>
-          <p:cNvPr id="8" name="Rectangle 7"/>
-          <p:cNvSpPr/>
-          <p:nvPr/>
-        </p:nvSpPr>
-        <p:spPr>
-          <a:xfrm>
-            <a:off x="1523802" y="2"/>
-            <a:ext cx="9142810" cy="584775"/>
-          </a:xfrm>
-          <a:prstGeom prst="rect">
-            <a:avLst/>
-          </a:prstGeom>
-          <a:solidFill>
-            <a:schemeClr val="bg1"/>
-          </a:solidFill>
-        </p:spPr>
-        <p:txBody>
-          <a:bodyPr wrap="square">
-            <a:spAutoFit/>
-          </a:bodyPr>
-          <a:lstStyle/>
-          <a:p>
-            <a:pPr algn="r"/>
-            <a:r>
-              <a:rPr lang="en-US" sz="3200" b="1" i="1" dirty="0" smtClean="0">
-                <a:latin typeface="Arial" pitchFamily="34" charset="0"/>
-                <a:cs typeface="Arial" pitchFamily="34" charset="0"/>
-              </a:rPr>
-              <a:t>one-to-one relationship</a:t>
-            </a:r>
-            <a:endParaRPr lang="en-IN" sz="3200" b="1" i="1" dirty="0">
-              <a:latin typeface="Arial" pitchFamily="34" charset="0"/>
-              <a:cs typeface="Arial" pitchFamily="34" charset="0"/>
-            </a:endParaRPr>
-          </a:p>
-        </p:txBody>
-      </p:sp>
-      <p:sp>
-        <p:nvSpPr>
-          <p:cNvPr id="10" name="Rectangle 9"/>
-          <p:cNvSpPr/>
-          <p:nvPr/>
-        </p:nvSpPr>
-        <p:spPr>
-          <a:xfrm>
-            <a:off x="6952462" y="785794"/>
-            <a:ext cx="5072098" cy="2031325"/>
-          </a:xfrm>
-          <a:prstGeom prst="rect">
-            <a:avLst/>
-          </a:prstGeom>
-        </p:spPr>
-        <p:txBody>
-          <a:bodyPr wrap="square">
-            <a:spAutoFit/>
-          </a:bodyPr>
-          <a:lstStyle/>
-          <a:p>
-            <a:r>
-              <a:rPr lang="en-US" dirty="0" smtClean="0"/>
-              <a:t>CREATE TABLE student_address (</a:t>
-            </a:r>
-          </a:p>
-          <a:p>
-            <a:r>
-              <a:rPr lang="en-US" dirty="0" smtClean="0"/>
-              <a:t>   ID INT(11) PRIMARY KEY,</a:t>
-            </a:r>
-          </a:p>
-          <a:p>
-            <a:r>
-              <a:rPr lang="en-US" dirty="0" smtClean="0"/>
-              <a:t>   studentID INT UNIQUE NOT NULL,  </a:t>
-            </a:r>
-          </a:p>
-          <a:p>
-            <a:r>
-              <a:rPr lang="en-US" dirty="0" smtClean="0"/>
-              <a:t>   address VARCHAR(45),  </a:t>
-            </a:r>
-          </a:p>
-          <a:p>
-            <a:r>
-              <a:rPr lang="en-US" dirty="0" smtClean="0"/>
-              <a:t>   city VARCHAR(45) ,  </a:t>
-            </a:r>
-          </a:p>
-          <a:p>
-            <a:r>
-              <a:rPr lang="en-US" dirty="0" smtClean="0"/>
-              <a:t>   FOREIGN KEY (studentID) REFERENCES student(ID)  </a:t>
-            </a:r>
-          </a:p>
-          <a:p>
-            <a:r>
-              <a:rPr lang="en-US" dirty="0" smtClean="0"/>
-              <a:t>);</a:t>
-            </a:r>
-            <a:endParaRPr lang="en-US" dirty="0"/>
-          </a:p>
-        </p:txBody>
-      </p:sp>
       <p:pic>
         <p:nvPicPr>
-          <p:cNvPr id="2051" name="Picture 3"/>
+          <p:cNvPr id="1026" name="Picture 2"/>
           <p:cNvPicPr>
             <a:picLocks noChangeAspect="1" noChangeArrowheads="1"/>
           </p:cNvPicPr>
@@ -4487,8 +4248,8 @@
         </p:blipFill>
         <p:spPr bwMode="auto">
           <a:xfrm>
-            <a:off x="0" y="2928934"/>
-            <a:ext cx="6707517" cy="1571636"/>
+            <a:off x="1380298" y="2643182"/>
+            <a:ext cx="9544050" cy="2085975"/>
           </a:xfrm>
           <a:prstGeom prst="rect">
             <a:avLst/>
@@ -4503,76 +4264,86 @@
           <a:effectLst/>
         </p:spPr>
       </p:pic>
-      <p:pic>
-        <p:nvPicPr>
-          <p:cNvPr id="2052" name="Picture 4"/>
-          <p:cNvPicPr>
-            <a:picLocks noChangeAspect="1" noChangeArrowheads="1"/>
-          </p:cNvPicPr>
+      <p:sp>
+        <p:nvSpPr>
+          <p:cNvPr id="7" name="Rectangle 6"/>
+          <p:cNvSpPr/>
           <p:nvPr/>
-        </p:nvPicPr>
-        <p:blipFill>
-          <a:blip r:embed="rId4"/>
-          <a:srcRect/>
-          <a:stretch>
-            <a:fillRect/>
-          </a:stretch>
-        </p:blipFill>
-        <p:spPr bwMode="auto">
-          <a:xfrm>
-            <a:off x="7023900" y="2928934"/>
-            <a:ext cx="5000660" cy="1567158"/>
-          </a:xfrm>
-          <a:prstGeom prst="rect">
-            <a:avLst/>
-          </a:prstGeom>
-          <a:noFill/>
-          <a:ln w="9525">
-            <a:noFill/>
-            <a:miter lim="800000"/>
-            <a:headEnd/>
-            <a:tailEnd/>
-          </a:ln>
-          <a:effectLst/>
-        </p:spPr>
-      </p:pic>
-      <p:pic>
-        <p:nvPicPr>
-          <p:cNvPr id="1026" name="Picture 2"/>
-          <p:cNvPicPr>
-            <a:picLocks noChangeAspect="1" noChangeArrowheads="1"/>
-          </p:cNvPicPr>
+        </p:nvSpPr>
+        <p:spPr>
+          <a:xfrm>
+            <a:off x="1523802" y="2"/>
+            <a:ext cx="9142810" cy="584775"/>
+          </a:xfrm>
+          <a:prstGeom prst="rect">
+            <a:avLst/>
+          </a:prstGeom>
+          <a:solidFill>
+            <a:schemeClr val="bg1"/>
+          </a:solidFill>
+        </p:spPr>
+        <p:txBody>
+          <a:bodyPr wrap="square">
+            <a:spAutoFit/>
+          </a:bodyPr>
+          <a:lstStyle/>
+          <a:p>
+            <a:pPr algn="r"/>
+            <a:r>
+              <a:rPr lang="en-US" sz="3200" b="1" i="1" dirty="0" smtClean="0">
+                <a:latin typeface="Arial" pitchFamily="34" charset="0"/>
+                <a:cs typeface="Arial" pitchFamily="34" charset="0"/>
+              </a:rPr>
+              <a:t>one-to-one relationship</a:t>
+            </a:r>
+            <a:endParaRPr lang="en-IN" sz="3200" b="1" i="1" dirty="0">
+              <a:latin typeface="Arial" pitchFamily="34" charset="0"/>
+              <a:cs typeface="Arial" pitchFamily="34" charset="0"/>
+            </a:endParaRPr>
+          </a:p>
+        </p:txBody>
+      </p:sp>
+      <p:sp>
+        <p:nvSpPr>
+          <p:cNvPr id="8" name="Rectangle 7"/>
+          <p:cNvSpPr/>
           <p:nvPr/>
-        </p:nvPicPr>
-        <p:blipFill>
-          <a:blip r:embed="rId5"/>
-          <a:srcRect/>
-          <a:stretch>
-            <a:fillRect/>
-          </a:stretch>
-        </p:blipFill>
-        <p:spPr bwMode="auto">
-          <a:xfrm>
-            <a:off x="1808926" y="5000636"/>
-            <a:ext cx="7000924" cy="1000132"/>
-          </a:xfrm>
-          <a:prstGeom prst="rect">
-            <a:avLst/>
-          </a:prstGeom>
-          <a:noFill/>
-          <a:ln w="9525">
-            <a:noFill/>
-            <a:miter lim="800000"/>
-            <a:headEnd/>
-            <a:tailEnd/>
-          </a:ln>
-          <a:effectLst/>
-        </p:spPr>
-      </p:pic>
+        </p:nvSpPr>
+        <p:spPr>
+          <a:xfrm>
+            <a:off x="1237422" y="1214422"/>
+            <a:ext cx="9572692" cy="923330"/>
+          </a:xfrm>
+          <a:prstGeom prst="rect">
+            <a:avLst/>
+          </a:prstGeom>
+        </p:spPr>
+        <p:txBody>
+          <a:bodyPr wrap="square">
+            <a:spAutoFit/>
+          </a:bodyPr>
+          <a:lstStyle/>
+          <a:p>
+            <a:r>
+              <a:rPr lang="en-US" dirty="0" smtClean="0"/>
+              <a:t>A one-to-one relationship is a type of cardinality that refers to the relationship between two entities A and B in which one element of entity A may only be linked </a:t>
+            </a:r>
+            <a:r>
+              <a:rPr lang="en-US" smtClean="0"/>
+              <a:t>to one element of entity B</a:t>
+            </a:r>
+            <a:r>
+              <a:rPr lang="en-US" dirty="0" smtClean="0"/>
+              <a:t>, and vice versa.</a:t>
+            </a:r>
+            <a:endParaRPr lang="en-US" dirty="0"/>
+          </a:p>
+        </p:txBody>
+      </p:sp>
     </p:spTree>
     <p:extLst>
       <p:ext uri="{BB962C8B-B14F-4D97-AF65-F5344CB8AC3E}">
-        <p14:creationId xmlns="" xmlns:p14="http://schemas.microsoft.com/office/powerpoint/2010/main" val="1792769669"/>
+        <p14:creationId xmlns:p14="http://schemas.microsoft.com/office/powerpoint/2010/main" xmlns="" val="1792769669"/>
       </p:ext>
     </p:extLst>
   </p:cSld>
@@ -4611,7 +4382,7 @@
           <p:cNvPr id="3" name="Picture 2">
             <a:extLst>
               <a:ext uri="{FF2B5EF4-FFF2-40B4-BE49-F238E27FC236}">
-                <a16:creationId xmlns="" xmlns:a16="http://schemas.microsoft.com/office/drawing/2014/main" id="{B5C1FD02-D961-4CAF-BF5C-47309320BDE6}"/>
+                <a16:creationId xmlns:a16="http://schemas.microsoft.com/office/drawing/2014/main" xmlns="" id="{B5C1FD02-D961-4CAF-BF5C-47309320BDE6}"/>
               </a:ext>
             </a:extLst>
           </p:cNvPr>
@@ -4624,7 +4395,7 @@
           <a:blip r:embed="rId2" cstate="print">
             <a:extLst>
               <a:ext uri="{28A0092B-C50C-407E-A947-70E740481C1C}">
-                <a14:useLocalDpi xmlns="" xmlns:a14="http://schemas.microsoft.com/office/drawing/2010/main" val="0"/>
+                <a14:useLocalDpi xmlns:a14="http://schemas.microsoft.com/office/drawing/2010/main" xmlns="" val="0"/>
               </a:ext>
             </a:extLst>
           </a:blip>
@@ -4647,7 +4418,482 @@
           <p:cNvPr id="4" name="Footer Placeholder 2">
             <a:extLst>
               <a:ext uri="{FF2B5EF4-FFF2-40B4-BE49-F238E27FC236}">
-                <a16:creationId xmlns="" xmlns:a16="http://schemas.microsoft.com/office/drawing/2014/main" id="{8AC76C4F-4C95-4C8D-AF8A-E786504CFA0E}"/>
+                <a16:creationId xmlns:a16="http://schemas.microsoft.com/office/drawing/2014/main" xmlns="" id="{8AC76C4F-4C95-4C8D-AF8A-E786504CFA0E}"/>
+              </a:ext>
+            </a:extLst>
+          </p:cNvPr>
+          <p:cNvSpPr txBox="1">
+            <a:spLocks/>
+          </p:cNvSpPr>
+          <p:nvPr/>
+        </p:nvSpPr>
+        <p:spPr>
+          <a:xfrm>
+            <a:off x="3237431" y="6523037"/>
+            <a:ext cx="5400600" cy="365125"/>
+          </a:xfrm>
+          <a:prstGeom prst="rect">
+            <a:avLst/>
+          </a:prstGeom>
+        </p:spPr>
+        <p:txBody>
+          <a:bodyPr/>
+          <a:lstStyle>
+            <a:defPPr>
+              <a:defRPr lang="en-US"/>
+            </a:defPPr>
+            <a:lvl1pPr marL="0" algn="l" defTabSz="914400" rtl="0" eaLnBrk="1" latinLnBrk="0" hangingPunct="1">
+              <a:defRPr sz="1050" kern="1200">
+                <a:solidFill>
+                  <a:schemeClr val="tx1"/>
+                </a:solidFill>
+                <a:latin typeface="+mn-lt"/>
+                <a:ea typeface="+mn-ea"/>
+                <a:cs typeface="+mn-cs"/>
+              </a:defRPr>
+            </a:lvl1pPr>
+            <a:lvl2pPr marL="457200" algn="l" defTabSz="914400" rtl="0" eaLnBrk="1" latinLnBrk="0" hangingPunct="1">
+              <a:defRPr sz="1800" kern="1200">
+                <a:solidFill>
+                  <a:schemeClr val="tx1"/>
+                </a:solidFill>
+                <a:latin typeface="+mn-lt"/>
+                <a:ea typeface="+mn-ea"/>
+                <a:cs typeface="+mn-cs"/>
+              </a:defRPr>
+            </a:lvl2pPr>
+            <a:lvl3pPr marL="914400" algn="l" defTabSz="914400" rtl="0" eaLnBrk="1" latinLnBrk="0" hangingPunct="1">
+              <a:defRPr sz="1800" kern="1200">
+                <a:solidFill>
+                  <a:schemeClr val="tx1"/>
+                </a:solidFill>
+                <a:latin typeface="+mn-lt"/>
+                <a:ea typeface="+mn-ea"/>
+                <a:cs typeface="+mn-cs"/>
+              </a:defRPr>
+            </a:lvl3pPr>
+            <a:lvl4pPr marL="1371600" algn="l" defTabSz="914400" rtl="0" eaLnBrk="1" latinLnBrk="0" hangingPunct="1">
+              <a:defRPr sz="1800" kern="1200">
+                <a:solidFill>
+                  <a:schemeClr val="tx1"/>
+                </a:solidFill>
+                <a:latin typeface="+mn-lt"/>
+                <a:ea typeface="+mn-ea"/>
+                <a:cs typeface="+mn-cs"/>
+              </a:defRPr>
+            </a:lvl4pPr>
+            <a:lvl5pPr marL="1828800" algn="l" defTabSz="914400" rtl="0" eaLnBrk="1" latinLnBrk="0" hangingPunct="1">
+              <a:defRPr sz="1800" kern="1200">
+                <a:solidFill>
+                  <a:schemeClr val="tx1"/>
+                </a:solidFill>
+                <a:latin typeface="+mn-lt"/>
+                <a:ea typeface="+mn-ea"/>
+                <a:cs typeface="+mn-cs"/>
+              </a:defRPr>
+            </a:lvl5pPr>
+            <a:lvl6pPr marL="2286000" algn="l" defTabSz="914400" rtl="0" eaLnBrk="1" latinLnBrk="0" hangingPunct="1">
+              <a:defRPr sz="1800" kern="1200">
+                <a:solidFill>
+                  <a:schemeClr val="tx1"/>
+                </a:solidFill>
+                <a:latin typeface="+mn-lt"/>
+                <a:ea typeface="+mn-ea"/>
+                <a:cs typeface="+mn-cs"/>
+              </a:defRPr>
+            </a:lvl6pPr>
+            <a:lvl7pPr marL="2743200" algn="l" defTabSz="914400" rtl="0" eaLnBrk="1" latinLnBrk="0" hangingPunct="1">
+              <a:defRPr sz="1800" kern="1200">
+                <a:solidFill>
+                  <a:schemeClr val="tx1"/>
+                </a:solidFill>
+                <a:latin typeface="+mn-lt"/>
+                <a:ea typeface="+mn-ea"/>
+                <a:cs typeface="+mn-cs"/>
+              </a:defRPr>
+            </a:lvl7pPr>
+            <a:lvl8pPr marL="3200400" algn="l" defTabSz="914400" rtl="0" eaLnBrk="1" latinLnBrk="0" hangingPunct="1">
+              <a:defRPr sz="1800" kern="1200">
+                <a:solidFill>
+                  <a:schemeClr val="tx1"/>
+                </a:solidFill>
+                <a:latin typeface="+mn-lt"/>
+                <a:ea typeface="+mn-ea"/>
+                <a:cs typeface="+mn-cs"/>
+              </a:defRPr>
+            </a:lvl8pPr>
+            <a:lvl9pPr marL="3657600" algn="l" defTabSz="914400" rtl="0" eaLnBrk="1" latinLnBrk="0" hangingPunct="1">
+              <a:defRPr sz="1800" kern="1200">
+                <a:solidFill>
+                  <a:schemeClr val="tx1"/>
+                </a:solidFill>
+                <a:latin typeface="+mn-lt"/>
+                <a:ea typeface="+mn-ea"/>
+                <a:cs typeface="+mn-cs"/>
+              </a:defRPr>
+            </a:lvl9pPr>
+          </a:lstStyle>
+          <a:p>
+            <a:r>
+              <a:rPr lang="en-US" dirty="0"/>
+              <a:t>Infoway Technologies, 3rd  Floor Commerce Centre, Rambaug Colony, Paud Road Pune 411038</a:t>
+            </a:r>
+            <a:endParaRPr lang="en-IN" dirty="0"/>
+          </a:p>
+          <a:p>
+            <a:endParaRPr lang="en-US" dirty="0"/>
+          </a:p>
+        </p:txBody>
+      </p:sp>
+      <p:sp>
+        <p:nvSpPr>
+          <p:cNvPr id="5" name="Rectangle 4"/>
+          <p:cNvSpPr/>
+          <p:nvPr/>
+        </p:nvSpPr>
+        <p:spPr>
+          <a:xfrm>
+            <a:off x="594480" y="763486"/>
+            <a:ext cx="4429155" cy="2308324"/>
+          </a:xfrm>
+          <a:prstGeom prst="rect">
+            <a:avLst/>
+          </a:prstGeom>
+        </p:spPr>
+        <p:txBody>
+          <a:bodyPr wrap="square">
+            <a:spAutoFit/>
+          </a:bodyPr>
+          <a:lstStyle/>
+          <a:p>
+            <a:r>
+              <a:rPr lang="en-US" dirty="0" smtClean="0"/>
+              <a:t>CREATE TABLE student (  </a:t>
+            </a:r>
+          </a:p>
+          <a:p>
+            <a:r>
+              <a:rPr lang="en-US" dirty="0" smtClean="0"/>
+              <a:t>   ID INT(11) PRIMARY KEY,</a:t>
+            </a:r>
+          </a:p>
+          <a:p>
+            <a:r>
+              <a:rPr lang="en-US" dirty="0" smtClean="0"/>
+              <a:t>   firstName VARCHAR(45), </a:t>
+            </a:r>
+          </a:p>
+          <a:p>
+            <a:r>
+              <a:rPr lang="en-US" dirty="0" smtClean="0"/>
+              <a:t>   lastName VARCHAR(45),</a:t>
+            </a:r>
+          </a:p>
+          <a:p>
+            <a:r>
+              <a:rPr lang="en-US" dirty="0" smtClean="0"/>
+              <a:t>   DoB DATE,</a:t>
+            </a:r>
+          </a:p>
+          <a:p>
+            <a:r>
+              <a:rPr lang="en-US" dirty="0" smtClean="0"/>
+              <a:t>   emailID VARCHAR(145)</a:t>
+            </a:r>
+          </a:p>
+          <a:p>
+            <a:r>
+              <a:rPr lang="en-US" dirty="0" smtClean="0"/>
+              <a:t> );</a:t>
+            </a:r>
+          </a:p>
+          <a:p>
+            <a:endParaRPr lang="en-US" dirty="0" smtClean="0"/>
+          </a:p>
+        </p:txBody>
+      </p:sp>
+      <p:sp>
+        <p:nvSpPr>
+          <p:cNvPr id="8" name="Rectangle 7"/>
+          <p:cNvSpPr/>
+          <p:nvPr/>
+        </p:nvSpPr>
+        <p:spPr>
+          <a:xfrm>
+            <a:off x="1523802" y="2"/>
+            <a:ext cx="9142810" cy="584775"/>
+          </a:xfrm>
+          <a:prstGeom prst="rect">
+            <a:avLst/>
+          </a:prstGeom>
+          <a:solidFill>
+            <a:schemeClr val="bg1"/>
+          </a:solidFill>
+        </p:spPr>
+        <p:txBody>
+          <a:bodyPr wrap="square">
+            <a:spAutoFit/>
+          </a:bodyPr>
+          <a:lstStyle/>
+          <a:p>
+            <a:pPr algn="r"/>
+            <a:r>
+              <a:rPr lang="en-US" sz="3200" b="1" i="1" dirty="0" smtClean="0">
+                <a:latin typeface="Arial" pitchFamily="34" charset="0"/>
+                <a:cs typeface="Arial" pitchFamily="34" charset="0"/>
+              </a:rPr>
+              <a:t>one-to-one relationship</a:t>
+            </a:r>
+            <a:endParaRPr lang="en-IN" sz="3200" b="1" i="1" dirty="0">
+              <a:latin typeface="Arial" pitchFamily="34" charset="0"/>
+              <a:cs typeface="Arial" pitchFamily="34" charset="0"/>
+            </a:endParaRPr>
+          </a:p>
+        </p:txBody>
+      </p:sp>
+      <p:sp>
+        <p:nvSpPr>
+          <p:cNvPr id="10" name="Rectangle 9"/>
+          <p:cNvSpPr/>
+          <p:nvPr/>
+        </p:nvSpPr>
+        <p:spPr>
+          <a:xfrm>
+            <a:off x="6952462" y="785794"/>
+            <a:ext cx="5072098" cy="2031325"/>
+          </a:xfrm>
+          <a:prstGeom prst="rect">
+            <a:avLst/>
+          </a:prstGeom>
+        </p:spPr>
+        <p:txBody>
+          <a:bodyPr wrap="square">
+            <a:spAutoFit/>
+          </a:bodyPr>
+          <a:lstStyle/>
+          <a:p>
+            <a:r>
+              <a:rPr lang="en-US" dirty="0" smtClean="0"/>
+              <a:t>CREATE TABLE student_address (</a:t>
+            </a:r>
+          </a:p>
+          <a:p>
+            <a:r>
+              <a:rPr lang="en-US" dirty="0" smtClean="0"/>
+              <a:t>   ID INT(11) PRIMARY KEY,</a:t>
+            </a:r>
+          </a:p>
+          <a:p>
+            <a:r>
+              <a:rPr lang="en-US" dirty="0" smtClean="0"/>
+              <a:t>   studentID INT UNIQUE NOT NULL,  </a:t>
+            </a:r>
+          </a:p>
+          <a:p>
+            <a:r>
+              <a:rPr lang="en-US" dirty="0" smtClean="0"/>
+              <a:t>   address VARCHAR(45),  </a:t>
+            </a:r>
+          </a:p>
+          <a:p>
+            <a:r>
+              <a:rPr lang="en-US" dirty="0" smtClean="0"/>
+              <a:t>   city VARCHAR(45) ,  </a:t>
+            </a:r>
+          </a:p>
+          <a:p>
+            <a:r>
+              <a:rPr lang="en-US" dirty="0" smtClean="0"/>
+              <a:t>   FOREIGN KEY (studentID) REFERENCES student(ID)  </a:t>
+            </a:r>
+          </a:p>
+          <a:p>
+            <a:r>
+              <a:rPr lang="en-US" dirty="0" smtClean="0"/>
+              <a:t>);</a:t>
+            </a:r>
+            <a:endParaRPr lang="en-US" dirty="0"/>
+          </a:p>
+        </p:txBody>
+      </p:sp>
+      <p:pic>
+        <p:nvPicPr>
+          <p:cNvPr id="2051" name="Picture 3"/>
+          <p:cNvPicPr>
+            <a:picLocks noChangeAspect="1" noChangeArrowheads="1"/>
+          </p:cNvPicPr>
+          <p:nvPr/>
+        </p:nvPicPr>
+        <p:blipFill>
+          <a:blip r:embed="rId3"/>
+          <a:srcRect/>
+          <a:stretch>
+            <a:fillRect/>
+          </a:stretch>
+        </p:blipFill>
+        <p:spPr bwMode="auto">
+          <a:xfrm>
+            <a:off x="0" y="2928934"/>
+            <a:ext cx="6707517" cy="1571636"/>
+          </a:xfrm>
+          <a:prstGeom prst="rect">
+            <a:avLst/>
+          </a:prstGeom>
+          <a:noFill/>
+          <a:ln w="9525">
+            <a:noFill/>
+            <a:miter lim="800000"/>
+            <a:headEnd/>
+            <a:tailEnd/>
+          </a:ln>
+          <a:effectLst/>
+        </p:spPr>
+      </p:pic>
+      <p:pic>
+        <p:nvPicPr>
+          <p:cNvPr id="2052" name="Picture 4"/>
+          <p:cNvPicPr>
+            <a:picLocks noChangeAspect="1" noChangeArrowheads="1"/>
+          </p:cNvPicPr>
+          <p:nvPr/>
+        </p:nvPicPr>
+        <p:blipFill>
+          <a:blip r:embed="rId4"/>
+          <a:srcRect/>
+          <a:stretch>
+            <a:fillRect/>
+          </a:stretch>
+        </p:blipFill>
+        <p:spPr bwMode="auto">
+          <a:xfrm>
+            <a:off x="7023900" y="2928934"/>
+            <a:ext cx="5000660" cy="1567158"/>
+          </a:xfrm>
+          <a:prstGeom prst="rect">
+            <a:avLst/>
+          </a:prstGeom>
+          <a:noFill/>
+          <a:ln w="9525">
+            <a:noFill/>
+            <a:miter lim="800000"/>
+            <a:headEnd/>
+            <a:tailEnd/>
+          </a:ln>
+          <a:effectLst/>
+        </p:spPr>
+      </p:pic>
+      <p:pic>
+        <p:nvPicPr>
+          <p:cNvPr id="1026" name="Picture 2"/>
+          <p:cNvPicPr>
+            <a:picLocks noChangeAspect="1" noChangeArrowheads="1"/>
+          </p:cNvPicPr>
+          <p:nvPr/>
+        </p:nvPicPr>
+        <p:blipFill>
+          <a:blip r:embed="rId5"/>
+          <a:srcRect/>
+          <a:stretch>
+            <a:fillRect/>
+          </a:stretch>
+        </p:blipFill>
+        <p:spPr bwMode="auto">
+          <a:xfrm>
+            <a:off x="1808926" y="5000636"/>
+            <a:ext cx="7000924" cy="1000132"/>
+          </a:xfrm>
+          <a:prstGeom prst="rect">
+            <a:avLst/>
+          </a:prstGeom>
+          <a:noFill/>
+          <a:ln w="9525">
+            <a:noFill/>
+            <a:miter lim="800000"/>
+            <a:headEnd/>
+            <a:tailEnd/>
+          </a:ln>
+          <a:effectLst/>
+        </p:spPr>
+      </p:pic>
+    </p:spTree>
+    <p:extLst>
+      <p:ext uri="{BB962C8B-B14F-4D97-AF65-F5344CB8AC3E}">
+        <p14:creationId xmlns:p14="http://schemas.microsoft.com/office/powerpoint/2010/main" xmlns="" val="1792769669"/>
+      </p:ext>
+    </p:extLst>
+  </p:cSld>
+  <p:clrMapOvr>
+    <a:masterClrMapping/>
+  </p:clrMapOvr>
+  <p:timing>
+    <p:tnLst>
+      <p:par>
+        <p:cTn id="1" dur="indefinite" restart="never" nodeType="tmRoot"/>
+      </p:par>
+    </p:tnLst>
+  </p:timing>
+</p:sld>
+</file>
+
+<file path=ppt/slides/slide5.xml><?xml version="1.0" encoding="utf-8"?>
+<p:sld xmlns:a="http://schemas.openxmlformats.org/drawingml/2006/main" xmlns:r="http://schemas.openxmlformats.org/officeDocument/2006/relationships" xmlns:p="http://schemas.openxmlformats.org/presentationml/2006/main">
+  <p:cSld>
+    <p:spTree>
+      <p:nvGrpSpPr>
+        <p:cNvPr id="1" name=""/>
+        <p:cNvGrpSpPr/>
+        <p:nvPr/>
+      </p:nvGrpSpPr>
+      <p:grpSpPr>
+        <a:xfrm>
+          <a:off x="0" y="0"/>
+          <a:ext cx="0" cy="0"/>
+          <a:chOff x="0" y="0"/>
+          <a:chExt cx="0" cy="0"/>
+        </a:xfrm>
+      </p:grpSpPr>
+      <p:pic>
+        <p:nvPicPr>
+          <p:cNvPr id="3" name="Picture 2">
+            <a:extLst>
+              <a:ext uri="{FF2B5EF4-FFF2-40B4-BE49-F238E27FC236}">
+                <a16:creationId xmlns:a16="http://schemas.microsoft.com/office/drawing/2014/main" xmlns="" id="{B5C1FD02-D961-4CAF-BF5C-47309320BDE6}"/>
+              </a:ext>
+            </a:extLst>
+          </p:cNvPr>
+          <p:cNvPicPr>
+            <a:picLocks noChangeAspect="1"/>
+          </p:cNvPicPr>
+          <p:nvPr/>
+        </p:nvPicPr>
+        <p:blipFill>
+          <a:blip r:embed="rId2" cstate="print">
+            <a:extLst>
+              <a:ext uri="{28A0092B-C50C-407E-A947-70E740481C1C}">
+                <a14:useLocalDpi xmlns:a14="http://schemas.microsoft.com/office/drawing/2010/main" xmlns="" val="0"/>
+              </a:ext>
+            </a:extLst>
+          </a:blip>
+          <a:stretch>
+            <a:fillRect/>
+          </a:stretch>
+        </p:blipFill>
+        <p:spPr>
+          <a:xfrm>
+            <a:off x="118542" y="116632"/>
+            <a:ext cx="1371859" cy="445150"/>
+          </a:xfrm>
+          <a:prstGeom prst="rect">
+            <a:avLst/>
+          </a:prstGeom>
+        </p:spPr>
+      </p:pic>
+      <p:sp>
+        <p:nvSpPr>
+          <p:cNvPr id="4" name="Footer Placeholder 2">
+            <a:extLst>
+              <a:ext uri="{FF2B5EF4-FFF2-40B4-BE49-F238E27FC236}">
+                <a16:creationId xmlns:a16="http://schemas.microsoft.com/office/drawing/2014/main" xmlns="" id="{8AC76C4F-4C95-4C8D-AF8A-E786504CFA0E}"/>
               </a:ext>
             </a:extLst>
           </p:cNvPr>
@@ -4960,7 +5206,7 @@
     </p:spTree>
     <p:extLst>
       <p:ext uri="{BB962C8B-B14F-4D97-AF65-F5344CB8AC3E}">
-        <p14:creationId xmlns="" xmlns:p14="http://schemas.microsoft.com/office/powerpoint/2010/main" val="1792769669"/>
+        <p14:creationId xmlns:p14="http://schemas.microsoft.com/office/powerpoint/2010/main" xmlns="" val="1792769669"/>
       </p:ext>
     </p:extLst>
   </p:cSld>

--- a/Video Ver1/Video PPT/15. one-to-one Relationship.pptx
+++ b/Video Ver1/Video PPT/15. one-to-one Relationship.pptx
@@ -113,7 +113,7 @@
   </p:defaultTextStyle>
   <p:extLst>
     <p:ext uri="{521415D9-36F7-43E2-AB2F-B90AF26B5E84}">
-      <p14:sectionLst xmlns:p14="http://schemas.microsoft.com/office/powerpoint/2010/main" xmlns="">
+      <p14:sectionLst xmlns="" xmlns:p14="http://schemas.microsoft.com/office/powerpoint/2010/main">
         <p14:section name="Introduction" id="{A3D14946-8297-4856-B082-4FEFA482017C}">
           <p14:sldIdLst>
             <p14:sldId id="1189"/>
@@ -151,7 +151,7 @@
       </p14:sectionLst>
     </p:ext>
     <p:ext uri="{EFAFB233-063F-42B5-8137-9DF3F51BA10A}">
-      <p15:sldGuideLst xmlns:p15="http://schemas.microsoft.com/office/powerpoint/2012/main" xmlns="">
+      <p15:sldGuideLst xmlns="" xmlns:p15="http://schemas.microsoft.com/office/powerpoint/2012/main">
         <p15:guide id="1" orient="horz" pos="2160">
           <p15:clr>
             <a:srgbClr val="A4A3A4"/>
@@ -173,7 +173,7 @@
   <p:cmAuthor id="1" name="Saleel" initials="S" lastIdx="1" clrIdx="0">
     <p:extLst>
       <p:ext uri="{19B8F6BF-5375-455C-9EA6-DF929625EA0E}">
-        <p15:presenceInfo xmlns:p15="http://schemas.microsoft.com/office/powerpoint/2012/main" xmlns="" userId="Saleel" providerId="None"/>
+        <p15:presenceInfo xmlns="" xmlns:p15="http://schemas.microsoft.com/office/powerpoint/2012/main" userId="Saleel" providerId="None"/>
       </p:ext>
     </p:extLst>
   </p:cmAuthor>
@@ -263,7 +263,7 @@
             <a:fld id="{4DF51050-3720-483B-B552-57DC1341D582}" type="datetimeFigureOut">
               <a:rPr lang="en-US" smtClean="0"/>
               <a:pPr/>
-              <a:t>6/20/2020</a:t>
+              <a:t>6/24/2020</a:t>
             </a:fld>
             <a:endParaRPr lang="en-US"/>
           </a:p>
@@ -722,7 +722,7 @@
             <a:fld id="{EEE556E8-492E-4E8F-8E7F-7A7787724D01}" type="datetimeFigureOut">
               <a:rPr lang="en-US" smtClean="0"/>
               <a:pPr/>
-              <a:t>6/20/2020</a:t>
+              <a:t>6/24/2020</a:t>
             </a:fld>
             <a:endParaRPr lang="en-US"/>
           </a:p>
@@ -927,7 +927,7 @@
             <a:fld id="{EEE556E8-492E-4E8F-8E7F-7A7787724D01}" type="datetimeFigureOut">
               <a:rPr lang="en-US" smtClean="0"/>
               <a:pPr/>
-              <a:t>6/20/2020</a:t>
+              <a:t>6/24/2020</a:t>
             </a:fld>
             <a:endParaRPr lang="en-US"/>
           </a:p>
@@ -1132,7 +1132,7 @@
             <a:fld id="{EEE556E8-492E-4E8F-8E7F-7A7787724D01}" type="datetimeFigureOut">
               <a:rPr lang="en-US" smtClean="0"/>
               <a:pPr/>
-              <a:t>6/20/2020</a:t>
+              <a:t>6/24/2020</a:t>
             </a:fld>
             <a:endParaRPr lang="en-US"/>
           </a:p>
@@ -1337,7 +1337,7 @@
             <a:fld id="{EEE556E8-492E-4E8F-8E7F-7A7787724D01}" type="datetimeFigureOut">
               <a:rPr lang="en-US" smtClean="0"/>
               <a:pPr/>
-              <a:t>6/20/2020</a:t>
+              <a:t>6/24/2020</a:t>
             </a:fld>
             <a:endParaRPr lang="en-US"/>
           </a:p>
@@ -1609,7 +1609,7 @@
             <a:fld id="{EEE556E8-492E-4E8F-8E7F-7A7787724D01}" type="datetimeFigureOut">
               <a:rPr lang="en-US" smtClean="0"/>
               <a:pPr/>
-              <a:t>6/20/2020</a:t>
+              <a:t>6/24/2020</a:t>
             </a:fld>
             <a:endParaRPr lang="en-US"/>
           </a:p>
@@ -1929,7 +1929,7 @@
             <a:fld id="{EEE556E8-492E-4E8F-8E7F-7A7787724D01}" type="datetimeFigureOut">
               <a:rPr lang="en-US" smtClean="0"/>
               <a:pPr/>
-              <a:t>6/20/2020</a:t>
+              <a:t>6/24/2020</a:t>
             </a:fld>
             <a:endParaRPr lang="en-US"/>
           </a:p>
@@ -2389,7 +2389,7 @@
             <a:fld id="{EEE556E8-492E-4E8F-8E7F-7A7787724D01}" type="datetimeFigureOut">
               <a:rPr lang="en-US" smtClean="0"/>
               <a:pPr/>
-              <a:t>6/20/2020</a:t>
+              <a:t>6/24/2020</a:t>
             </a:fld>
             <a:endParaRPr lang="en-US"/>
           </a:p>
@@ -2535,7 +2535,7 @@
             <a:fld id="{EEE556E8-492E-4E8F-8E7F-7A7787724D01}" type="datetimeFigureOut">
               <a:rPr lang="en-US" smtClean="0"/>
               <a:pPr/>
-              <a:t>6/20/2020</a:t>
+              <a:t>6/24/2020</a:t>
             </a:fld>
             <a:endParaRPr lang="en-US"/>
           </a:p>
@@ -2865,7 +2865,7 @@
             <a:fld id="{EEE556E8-492E-4E8F-8E7F-7A7787724D01}" type="datetimeFigureOut">
               <a:rPr lang="en-US" smtClean="0"/>
               <a:pPr/>
-              <a:t>6/20/2020</a:t>
+              <a:t>6/24/2020</a:t>
             </a:fld>
             <a:endParaRPr lang="en-US"/>
           </a:p>
@@ -3147,7 +3147,7 @@
             <a:fld id="{EEE556E8-492E-4E8F-8E7F-7A7787724D01}" type="datetimeFigureOut">
               <a:rPr lang="en-US" smtClean="0"/>
               <a:pPr/>
-              <a:t>6/20/2020</a:t>
+              <a:t>6/24/2020</a:t>
             </a:fld>
             <a:endParaRPr lang="en-US"/>
           </a:p>
@@ -3573,7 +3573,7 @@
           <p:cNvPr id="3" name="Picture 2">
             <a:extLst>
               <a:ext uri="{FF2B5EF4-FFF2-40B4-BE49-F238E27FC236}">
-                <a16:creationId xmlns:a16="http://schemas.microsoft.com/office/drawing/2014/main" xmlns="" id="{B5C1FD02-D961-4CAF-BF5C-47309320BDE6}"/>
+                <a16:creationId xmlns="" xmlns:a16="http://schemas.microsoft.com/office/drawing/2014/main" id="{B5C1FD02-D961-4CAF-BF5C-47309320BDE6}"/>
               </a:ext>
             </a:extLst>
           </p:cNvPr>
@@ -3586,7 +3586,7 @@
           <a:blip r:embed="rId2" cstate="print">
             <a:extLst>
               <a:ext uri="{28A0092B-C50C-407E-A947-70E740481C1C}">
-                <a14:useLocalDpi xmlns:a14="http://schemas.microsoft.com/office/drawing/2010/main" xmlns="" val="0"/>
+                <a14:useLocalDpi xmlns="" xmlns:a14="http://schemas.microsoft.com/office/drawing/2010/main" val="0"/>
               </a:ext>
             </a:extLst>
           </a:blip>
@@ -3609,7 +3609,7 @@
           <p:cNvPr id="4" name="Footer Placeholder 2">
             <a:extLst>
               <a:ext uri="{FF2B5EF4-FFF2-40B4-BE49-F238E27FC236}">
-                <a16:creationId xmlns:a16="http://schemas.microsoft.com/office/drawing/2014/main" xmlns="" id="{8AC76C4F-4C95-4C8D-AF8A-E786504CFA0E}"/>
+                <a16:creationId xmlns="" xmlns:a16="http://schemas.microsoft.com/office/drawing/2014/main" id="{8AC76C4F-4C95-4C8D-AF8A-E786504CFA0E}"/>
               </a:ext>
             </a:extLst>
           </p:cNvPr>
@@ -3739,7 +3739,7 @@
     </p:spTree>
     <p:extLst>
       <p:ext uri="{BB962C8B-B14F-4D97-AF65-F5344CB8AC3E}">
-        <p14:creationId xmlns:p14="http://schemas.microsoft.com/office/powerpoint/2010/main" xmlns="" val="1792769669"/>
+        <p14:creationId xmlns="" xmlns:p14="http://schemas.microsoft.com/office/powerpoint/2010/main" val="1792769669"/>
       </p:ext>
     </p:extLst>
   </p:cSld>
@@ -3818,7 +3818,7 @@
           <p:cNvPr id="3" name="Picture 2">
             <a:extLst>
               <a:ext uri="{FF2B5EF4-FFF2-40B4-BE49-F238E27FC236}">
-                <a16:creationId xmlns:a16="http://schemas.microsoft.com/office/drawing/2014/main" xmlns="" id="{B5C1FD02-D961-4CAF-BF5C-47309320BDE6}"/>
+                <a16:creationId xmlns="" xmlns:a16="http://schemas.microsoft.com/office/drawing/2014/main" id="{B5C1FD02-D961-4CAF-BF5C-47309320BDE6}"/>
               </a:ext>
             </a:extLst>
           </p:cNvPr>
@@ -3831,7 +3831,7 @@
           <a:blip r:embed="rId2" cstate="print">
             <a:extLst>
               <a:ext uri="{28A0092B-C50C-407E-A947-70E740481C1C}">
-                <a14:useLocalDpi xmlns:a14="http://schemas.microsoft.com/office/drawing/2010/main" xmlns="" val="0"/>
+                <a14:useLocalDpi xmlns="" xmlns:a14="http://schemas.microsoft.com/office/drawing/2010/main" val="0"/>
               </a:ext>
             </a:extLst>
           </a:blip>
@@ -3854,7 +3854,7 @@
           <p:cNvPr id="4" name="Footer Placeholder 2">
             <a:extLst>
               <a:ext uri="{FF2B5EF4-FFF2-40B4-BE49-F238E27FC236}">
-                <a16:creationId xmlns:a16="http://schemas.microsoft.com/office/drawing/2014/main" xmlns="" id="{8AC76C4F-4C95-4C8D-AF8A-E786504CFA0E}"/>
+                <a16:creationId xmlns="" xmlns:a16="http://schemas.microsoft.com/office/drawing/2014/main" id="{8AC76C4F-4C95-4C8D-AF8A-E786504CFA0E}"/>
               </a:ext>
             </a:extLst>
           </p:cNvPr>
@@ -4029,7 +4029,7 @@
     </p:spTree>
     <p:extLst>
       <p:ext uri="{BB962C8B-B14F-4D97-AF65-F5344CB8AC3E}">
-        <p14:creationId xmlns:p14="http://schemas.microsoft.com/office/powerpoint/2010/main" xmlns="" val="1792769669"/>
+        <p14:creationId xmlns="" xmlns:p14="http://schemas.microsoft.com/office/powerpoint/2010/main" val="1792769669"/>
       </p:ext>
     </p:extLst>
   </p:cSld>
@@ -4068,7 +4068,7 @@
           <p:cNvPr id="3" name="Picture 2">
             <a:extLst>
               <a:ext uri="{FF2B5EF4-FFF2-40B4-BE49-F238E27FC236}">
-                <a16:creationId xmlns:a16="http://schemas.microsoft.com/office/drawing/2014/main" xmlns="" id="{B5C1FD02-D961-4CAF-BF5C-47309320BDE6}"/>
+                <a16:creationId xmlns="" xmlns:a16="http://schemas.microsoft.com/office/drawing/2014/main" id="{B5C1FD02-D961-4CAF-BF5C-47309320BDE6}"/>
               </a:ext>
             </a:extLst>
           </p:cNvPr>
@@ -4081,7 +4081,7 @@
           <a:blip r:embed="rId2" cstate="print">
             <a:extLst>
               <a:ext uri="{28A0092B-C50C-407E-A947-70E740481C1C}">
-                <a14:useLocalDpi xmlns:a14="http://schemas.microsoft.com/office/drawing/2010/main" xmlns="" val="0"/>
+                <a14:useLocalDpi xmlns="" xmlns:a14="http://schemas.microsoft.com/office/drawing/2010/main" val="0"/>
               </a:ext>
             </a:extLst>
           </a:blip>
@@ -4104,7 +4104,7 @@
           <p:cNvPr id="4" name="Footer Placeholder 2">
             <a:extLst>
               <a:ext uri="{FF2B5EF4-FFF2-40B4-BE49-F238E27FC236}">
-                <a16:creationId xmlns:a16="http://schemas.microsoft.com/office/drawing/2014/main" xmlns="" id="{8AC76C4F-4C95-4C8D-AF8A-E786504CFA0E}"/>
+                <a16:creationId xmlns="" xmlns:a16="http://schemas.microsoft.com/office/drawing/2014/main" id="{8AC76C4F-4C95-4C8D-AF8A-E786504CFA0E}"/>
               </a:ext>
             </a:extLst>
           </p:cNvPr>
@@ -4343,7 +4343,7 @@
     </p:spTree>
     <p:extLst>
       <p:ext uri="{BB962C8B-B14F-4D97-AF65-F5344CB8AC3E}">
-        <p14:creationId xmlns:p14="http://schemas.microsoft.com/office/powerpoint/2010/main" xmlns="" val="1792769669"/>
+        <p14:creationId xmlns="" xmlns:p14="http://schemas.microsoft.com/office/powerpoint/2010/main" val="1792769669"/>
       </p:ext>
     </p:extLst>
   </p:cSld>
@@ -4382,7 +4382,7 @@
           <p:cNvPr id="3" name="Picture 2">
             <a:extLst>
               <a:ext uri="{FF2B5EF4-FFF2-40B4-BE49-F238E27FC236}">
-                <a16:creationId xmlns:a16="http://schemas.microsoft.com/office/drawing/2014/main" xmlns="" id="{B5C1FD02-D961-4CAF-BF5C-47309320BDE6}"/>
+                <a16:creationId xmlns="" xmlns:a16="http://schemas.microsoft.com/office/drawing/2014/main" id="{B5C1FD02-D961-4CAF-BF5C-47309320BDE6}"/>
               </a:ext>
             </a:extLst>
           </p:cNvPr>
@@ -4392,10 +4392,10 @@
           <p:nvPr/>
         </p:nvPicPr>
         <p:blipFill>
-          <a:blip r:embed="rId2" cstate="print">
+          <a:blip r:embed="rId3" cstate="print">
             <a:extLst>
               <a:ext uri="{28A0092B-C50C-407E-A947-70E740481C1C}">
-                <a14:useLocalDpi xmlns:a14="http://schemas.microsoft.com/office/drawing/2010/main" xmlns="" val="0"/>
+                <a14:useLocalDpi xmlns="" xmlns:a14="http://schemas.microsoft.com/office/drawing/2010/main" val="0"/>
               </a:ext>
             </a:extLst>
           </a:blip>
@@ -4418,7 +4418,7 @@
           <p:cNvPr id="4" name="Footer Placeholder 2">
             <a:extLst>
               <a:ext uri="{FF2B5EF4-FFF2-40B4-BE49-F238E27FC236}">
-                <a16:creationId xmlns:a16="http://schemas.microsoft.com/office/drawing/2014/main" xmlns="" id="{8AC76C4F-4C95-4C8D-AF8A-E786504CFA0E}"/>
+                <a16:creationId xmlns="" xmlns:a16="http://schemas.microsoft.com/office/drawing/2014/main" id="{8AC76C4F-4C95-4C8D-AF8A-E786504CFA0E}"/>
               </a:ext>
             </a:extLst>
           </p:cNvPr>
@@ -4429,7 +4429,7 @@
         </p:nvSpPr>
         <p:spPr>
           <a:xfrm>
-            <a:off x="3237431" y="6523037"/>
+            <a:off x="4123630" y="6523037"/>
             <a:ext cx="5400600" cy="365125"/>
           </a:xfrm>
           <a:prstGeom prst="rect">
@@ -4719,39 +4719,6 @@
       <p:pic>
         <p:nvPicPr>
           <p:cNvPr id="2051" name="Picture 3"/>
-          <p:cNvPicPr>
-            <a:picLocks noChangeAspect="1" noChangeArrowheads="1"/>
-          </p:cNvPicPr>
-          <p:nvPr/>
-        </p:nvPicPr>
-        <p:blipFill>
-          <a:blip r:embed="rId3"/>
-          <a:srcRect/>
-          <a:stretch>
-            <a:fillRect/>
-          </a:stretch>
-        </p:blipFill>
-        <p:spPr bwMode="auto">
-          <a:xfrm>
-            <a:off x="0" y="2928934"/>
-            <a:ext cx="6707517" cy="1571636"/>
-          </a:xfrm>
-          <a:prstGeom prst="rect">
-            <a:avLst/>
-          </a:prstGeom>
-          <a:noFill/>
-          <a:ln w="9525">
-            <a:noFill/>
-            <a:miter lim="800000"/>
-            <a:headEnd/>
-            <a:tailEnd/>
-          </a:ln>
-          <a:effectLst/>
-        </p:spPr>
-      </p:pic>
-      <p:pic>
-        <p:nvPicPr>
-          <p:cNvPr id="2052" name="Picture 4"/>
           <p:cNvPicPr>
             <a:picLocks noChangeAspect="1" noChangeArrowheads="1"/>
           </p:cNvPicPr>
@@ -4766,8 +4733,8 @@
         </p:blipFill>
         <p:spPr bwMode="auto">
           <a:xfrm>
-            <a:off x="7023900" y="2928934"/>
-            <a:ext cx="5000660" cy="1567158"/>
+            <a:off x="0" y="2786058"/>
+            <a:ext cx="6707517" cy="1571636"/>
           </a:xfrm>
           <a:prstGeom prst="rect">
             <a:avLst/>
@@ -4784,7 +4751,7 @@
       </p:pic>
       <p:pic>
         <p:nvPicPr>
-          <p:cNvPr id="1026" name="Picture 2"/>
+          <p:cNvPr id="2052" name="Picture 4"/>
           <p:cNvPicPr>
             <a:picLocks noChangeAspect="1" noChangeArrowheads="1"/>
           </p:cNvPicPr>
@@ -4799,8 +4766,8 @@
         </p:blipFill>
         <p:spPr bwMode="auto">
           <a:xfrm>
-            <a:off x="1808926" y="5000636"/>
-            <a:ext cx="7000924" cy="1000132"/>
+            <a:off x="7023900" y="2786058"/>
+            <a:ext cx="5000660" cy="1567158"/>
           </a:xfrm>
           <a:prstGeom prst="rect">
             <a:avLst/>
@@ -4815,10 +4782,101 @@
           <a:effectLst/>
         </p:spPr>
       </p:pic>
+      <p:pic>
+        <p:nvPicPr>
+          <p:cNvPr id="1026" name="Picture 2"/>
+          <p:cNvPicPr>
+            <a:picLocks noChangeAspect="1" noChangeArrowheads="1"/>
+          </p:cNvPicPr>
+          <p:nvPr/>
+        </p:nvPicPr>
+        <p:blipFill>
+          <a:blip r:embed="rId6"/>
+          <a:srcRect/>
+          <a:stretch>
+            <a:fillRect/>
+          </a:stretch>
+        </p:blipFill>
+        <p:spPr bwMode="auto">
+          <a:xfrm>
+            <a:off x="4952198" y="5072074"/>
+            <a:ext cx="7000924" cy="1000132"/>
+          </a:xfrm>
+          <a:prstGeom prst="rect">
+            <a:avLst/>
+          </a:prstGeom>
+          <a:noFill/>
+          <a:ln w="9525">
+            <a:noFill/>
+            <a:miter lim="800000"/>
+            <a:headEnd/>
+            <a:tailEnd/>
+          </a:ln>
+          <a:effectLst/>
+        </p:spPr>
+      </p:pic>
+      <p:sp>
+        <p:nvSpPr>
+          <p:cNvPr id="2050" name="Rectangle 2"/>
+          <p:cNvSpPr>
+            <a:spLocks noChangeArrowheads="1"/>
+          </p:cNvSpPr>
+          <p:nvPr/>
+        </p:nvSpPr>
+        <p:spPr bwMode="auto">
+          <a:xfrm>
+            <a:off x="0" y="0"/>
+            <a:ext cx="12190413" cy="0"/>
+          </a:xfrm>
+          <a:prstGeom prst="rect">
+            <a:avLst/>
+          </a:prstGeom>
+          <a:noFill/>
+          <a:ln w="9525">
+            <a:noFill/>
+            <a:miter lim="800000"/>
+            <a:headEnd/>
+            <a:tailEnd/>
+          </a:ln>
+          <a:effectLst/>
+        </p:spPr>
+        <p:txBody>
+          <a:bodyPr vert="horz" wrap="none" lIns="91440" tIns="45720" rIns="91440" bIns="45720" numCol="1" anchor="ctr" anchorCtr="0" compatLnSpc="1">
+            <a:prstTxWarp prst="textNoShape">
+              <a:avLst/>
+            </a:prstTxWarp>
+            <a:spAutoFit/>
+          </a:bodyPr>
+          <a:lstStyle/>
+          <a:p>
+            <a:endParaRPr lang="en-US"/>
+          </a:p>
+        </p:txBody>
+      </p:sp>
+      <p:graphicFrame>
+        <p:nvGraphicFramePr>
+          <p:cNvPr id="2049" name="Object 1"/>
+          <p:cNvGraphicFramePr>
+            <a:graphicFrameLocks noChangeAspect="1"/>
+          </p:cNvGraphicFramePr>
+          <p:nvPr/>
+        </p:nvGraphicFramePr>
+        <p:xfrm>
+          <a:off x="94414" y="4500570"/>
+          <a:ext cx="3857652" cy="2198592"/>
+        </p:xfrm>
+        <a:graphic>
+          <a:graphicData uri="http://schemas.openxmlformats.org/presentationml/2006/ole">
+            <p:oleObj spid="_x0000_s2049" name="Bitmap Image" r:id="rId7" imgW="3657143" imgH="2085714" progId="Paint.Picture">
+              <p:embed/>
+            </p:oleObj>
+          </a:graphicData>
+        </a:graphic>
+      </p:graphicFrame>
     </p:spTree>
     <p:extLst>
       <p:ext uri="{BB962C8B-B14F-4D97-AF65-F5344CB8AC3E}">
-        <p14:creationId xmlns:p14="http://schemas.microsoft.com/office/powerpoint/2010/main" xmlns="" val="1792769669"/>
+        <p14:creationId xmlns="" xmlns:p14="http://schemas.microsoft.com/office/powerpoint/2010/main" val="1792769669"/>
       </p:ext>
     </p:extLst>
   </p:cSld>
@@ -4857,7 +4915,7 @@
           <p:cNvPr id="3" name="Picture 2">
             <a:extLst>
               <a:ext uri="{FF2B5EF4-FFF2-40B4-BE49-F238E27FC236}">
-                <a16:creationId xmlns:a16="http://schemas.microsoft.com/office/drawing/2014/main" xmlns="" id="{B5C1FD02-D961-4CAF-BF5C-47309320BDE6}"/>
+                <a16:creationId xmlns="" xmlns:a16="http://schemas.microsoft.com/office/drawing/2014/main" id="{B5C1FD02-D961-4CAF-BF5C-47309320BDE6}"/>
               </a:ext>
             </a:extLst>
           </p:cNvPr>
@@ -4867,10 +4925,10 @@
           <p:nvPr/>
         </p:nvPicPr>
         <p:blipFill>
-          <a:blip r:embed="rId2" cstate="print">
+          <a:blip r:embed="rId3" cstate="print">
             <a:extLst>
               <a:ext uri="{28A0092B-C50C-407E-A947-70E740481C1C}">
-                <a14:useLocalDpi xmlns:a14="http://schemas.microsoft.com/office/drawing/2010/main" xmlns="" val="0"/>
+                <a14:useLocalDpi xmlns="" xmlns:a14="http://schemas.microsoft.com/office/drawing/2010/main" val="0"/>
               </a:ext>
             </a:extLst>
           </a:blip>
@@ -4890,145 +4948,13 @@
       </p:pic>
       <p:sp>
         <p:nvSpPr>
-          <p:cNvPr id="4" name="Footer Placeholder 2">
-            <a:extLst>
-              <a:ext uri="{FF2B5EF4-FFF2-40B4-BE49-F238E27FC236}">
-                <a16:creationId xmlns:a16="http://schemas.microsoft.com/office/drawing/2014/main" xmlns="" id="{8AC76C4F-4C95-4C8D-AF8A-E786504CFA0E}"/>
-              </a:ext>
-            </a:extLst>
-          </p:cNvPr>
-          <p:cNvSpPr txBox="1">
-            <a:spLocks/>
-          </p:cNvSpPr>
-          <p:nvPr/>
-        </p:nvSpPr>
-        <p:spPr>
-          <a:xfrm>
-            <a:off x="3237431" y="6523037"/>
-            <a:ext cx="5400600" cy="365125"/>
-          </a:xfrm>
-          <a:prstGeom prst="rect">
-            <a:avLst/>
-          </a:prstGeom>
-        </p:spPr>
-        <p:txBody>
-          <a:bodyPr/>
-          <a:lstStyle>
-            <a:defPPr>
-              <a:defRPr lang="en-US"/>
-            </a:defPPr>
-            <a:lvl1pPr marL="0" algn="l" defTabSz="914400" rtl="0" eaLnBrk="1" latinLnBrk="0" hangingPunct="1">
-              <a:defRPr sz="1050" kern="1200">
-                <a:solidFill>
-                  <a:schemeClr val="tx1"/>
-                </a:solidFill>
-                <a:latin typeface="+mn-lt"/>
-                <a:ea typeface="+mn-ea"/>
-                <a:cs typeface="+mn-cs"/>
-              </a:defRPr>
-            </a:lvl1pPr>
-            <a:lvl2pPr marL="457200" algn="l" defTabSz="914400" rtl="0" eaLnBrk="1" latinLnBrk="0" hangingPunct="1">
-              <a:defRPr sz="1800" kern="1200">
-                <a:solidFill>
-                  <a:schemeClr val="tx1"/>
-                </a:solidFill>
-                <a:latin typeface="+mn-lt"/>
-                <a:ea typeface="+mn-ea"/>
-                <a:cs typeface="+mn-cs"/>
-              </a:defRPr>
-            </a:lvl2pPr>
-            <a:lvl3pPr marL="914400" algn="l" defTabSz="914400" rtl="0" eaLnBrk="1" latinLnBrk="0" hangingPunct="1">
-              <a:defRPr sz="1800" kern="1200">
-                <a:solidFill>
-                  <a:schemeClr val="tx1"/>
-                </a:solidFill>
-                <a:latin typeface="+mn-lt"/>
-                <a:ea typeface="+mn-ea"/>
-                <a:cs typeface="+mn-cs"/>
-              </a:defRPr>
-            </a:lvl3pPr>
-            <a:lvl4pPr marL="1371600" algn="l" defTabSz="914400" rtl="0" eaLnBrk="1" latinLnBrk="0" hangingPunct="1">
-              <a:defRPr sz="1800" kern="1200">
-                <a:solidFill>
-                  <a:schemeClr val="tx1"/>
-                </a:solidFill>
-                <a:latin typeface="+mn-lt"/>
-                <a:ea typeface="+mn-ea"/>
-                <a:cs typeface="+mn-cs"/>
-              </a:defRPr>
-            </a:lvl4pPr>
-            <a:lvl5pPr marL="1828800" algn="l" defTabSz="914400" rtl="0" eaLnBrk="1" latinLnBrk="0" hangingPunct="1">
-              <a:defRPr sz="1800" kern="1200">
-                <a:solidFill>
-                  <a:schemeClr val="tx1"/>
-                </a:solidFill>
-                <a:latin typeface="+mn-lt"/>
-                <a:ea typeface="+mn-ea"/>
-                <a:cs typeface="+mn-cs"/>
-              </a:defRPr>
-            </a:lvl5pPr>
-            <a:lvl6pPr marL="2286000" algn="l" defTabSz="914400" rtl="0" eaLnBrk="1" latinLnBrk="0" hangingPunct="1">
-              <a:defRPr sz="1800" kern="1200">
-                <a:solidFill>
-                  <a:schemeClr val="tx1"/>
-                </a:solidFill>
-                <a:latin typeface="+mn-lt"/>
-                <a:ea typeface="+mn-ea"/>
-                <a:cs typeface="+mn-cs"/>
-              </a:defRPr>
-            </a:lvl6pPr>
-            <a:lvl7pPr marL="2743200" algn="l" defTabSz="914400" rtl="0" eaLnBrk="1" latinLnBrk="0" hangingPunct="1">
-              <a:defRPr sz="1800" kern="1200">
-                <a:solidFill>
-                  <a:schemeClr val="tx1"/>
-                </a:solidFill>
-                <a:latin typeface="+mn-lt"/>
-                <a:ea typeface="+mn-ea"/>
-                <a:cs typeface="+mn-cs"/>
-              </a:defRPr>
-            </a:lvl7pPr>
-            <a:lvl8pPr marL="3200400" algn="l" defTabSz="914400" rtl="0" eaLnBrk="1" latinLnBrk="0" hangingPunct="1">
-              <a:defRPr sz="1800" kern="1200">
-                <a:solidFill>
-                  <a:schemeClr val="tx1"/>
-                </a:solidFill>
-                <a:latin typeface="+mn-lt"/>
-                <a:ea typeface="+mn-ea"/>
-                <a:cs typeface="+mn-cs"/>
-              </a:defRPr>
-            </a:lvl8pPr>
-            <a:lvl9pPr marL="3657600" algn="l" defTabSz="914400" rtl="0" eaLnBrk="1" latinLnBrk="0" hangingPunct="1">
-              <a:defRPr sz="1800" kern="1200">
-                <a:solidFill>
-                  <a:schemeClr val="tx1"/>
-                </a:solidFill>
-                <a:latin typeface="+mn-lt"/>
-                <a:ea typeface="+mn-ea"/>
-                <a:cs typeface="+mn-cs"/>
-              </a:defRPr>
-            </a:lvl9pPr>
-          </a:lstStyle>
-          <a:p>
-            <a:r>
-              <a:rPr lang="en-US" dirty="0"/>
-              <a:t>Infoway Technologies, 3rd  Floor Commerce Centre, Rambaug Colony, Paud Road Pune 411038</a:t>
-            </a:r>
-            <a:endParaRPr lang="en-IN" dirty="0"/>
-          </a:p>
-          <a:p>
-            <a:endParaRPr lang="en-US" dirty="0"/>
-          </a:p>
-        </p:txBody>
-      </p:sp>
-      <p:sp>
-        <p:nvSpPr>
           <p:cNvPr id="6" name="Rectangle 5"/>
           <p:cNvSpPr/>
           <p:nvPr/>
         </p:nvSpPr>
         <p:spPr>
           <a:xfrm>
-            <a:off x="594480" y="1500174"/>
+            <a:off x="594480" y="714356"/>
             <a:ext cx="4000528" cy="1477328"/>
           </a:xfrm>
           <a:prstGeom prst="rect">
@@ -5119,7 +5045,7 @@
         </p:nvSpPr>
         <p:spPr>
           <a:xfrm>
-            <a:off x="5380826" y="1428736"/>
+            <a:off x="5380826" y="642918"/>
             <a:ext cx="6092825" cy="1754326"/>
           </a:xfrm>
           <a:prstGeom prst="rect">
@@ -5179,7 +5105,7 @@
           <p:nvPr/>
         </p:nvPicPr>
         <p:blipFill>
-          <a:blip r:embed="rId3"/>
+          <a:blip r:embed="rId4"/>
           <a:srcRect/>
           <a:stretch>
             <a:fillRect/>
@@ -5187,8 +5113,8 @@
         </p:blipFill>
         <p:spPr bwMode="auto">
           <a:xfrm>
-            <a:off x="1951802" y="4357694"/>
-            <a:ext cx="7072362" cy="1003720"/>
+            <a:off x="5188413" y="5214950"/>
+            <a:ext cx="7002000" cy="993734"/>
           </a:xfrm>
           <a:prstGeom prst="rect">
             <a:avLst/>
@@ -5203,10 +5129,266 @@
           <a:effectLst/>
         </p:spPr>
       </p:pic>
+      <p:sp>
+        <p:nvSpPr>
+          <p:cNvPr id="1026" name="Rectangle 2"/>
+          <p:cNvSpPr>
+            <a:spLocks noChangeArrowheads="1"/>
+          </p:cNvSpPr>
+          <p:nvPr/>
+        </p:nvSpPr>
+        <p:spPr bwMode="auto">
+          <a:xfrm>
+            <a:off x="0" y="0"/>
+            <a:ext cx="12190413" cy="0"/>
+          </a:xfrm>
+          <a:prstGeom prst="rect">
+            <a:avLst/>
+          </a:prstGeom>
+          <a:noFill/>
+          <a:ln w="9525">
+            <a:noFill/>
+            <a:miter lim="800000"/>
+            <a:headEnd/>
+            <a:tailEnd/>
+          </a:ln>
+          <a:effectLst/>
+        </p:spPr>
+        <p:txBody>
+          <a:bodyPr vert="horz" wrap="none" lIns="91440" tIns="45720" rIns="91440" bIns="45720" numCol="1" anchor="ctr" anchorCtr="0" compatLnSpc="1">
+            <a:prstTxWarp prst="textNoShape">
+              <a:avLst/>
+            </a:prstTxWarp>
+            <a:spAutoFit/>
+          </a:bodyPr>
+          <a:lstStyle/>
+          <a:p>
+            <a:endParaRPr lang="en-US"/>
+          </a:p>
+        </p:txBody>
+      </p:sp>
+      <p:graphicFrame>
+        <p:nvGraphicFramePr>
+          <p:cNvPr id="1025" name="Object 1"/>
+          <p:cNvGraphicFramePr>
+            <a:graphicFrameLocks noChangeAspect="1"/>
+          </p:cNvGraphicFramePr>
+          <p:nvPr/>
+        </p:nvGraphicFramePr>
+        <p:xfrm>
+          <a:off x="165852" y="4286256"/>
+          <a:ext cx="4278287" cy="2214578"/>
+        </p:xfrm>
+        <a:graphic>
+          <a:graphicData uri="http://schemas.openxmlformats.org/presentationml/2006/ole">
+            <p:oleObj spid="_x0000_s1025" name="Bitmap Image" r:id="rId5" imgW="4200000" imgH="1838095" progId="Paint.Picture">
+              <p:embed/>
+            </p:oleObj>
+          </a:graphicData>
+        </a:graphic>
+      </p:graphicFrame>
+      <p:sp>
+        <p:nvSpPr>
+          <p:cNvPr id="10" name="Footer Placeholder 2">
+            <a:extLst>
+              <a:ext uri="{FF2B5EF4-FFF2-40B4-BE49-F238E27FC236}">
+                <a16:creationId xmlns="" xmlns:a16="http://schemas.microsoft.com/office/drawing/2014/main" id="{8AC76C4F-4C95-4C8D-AF8A-E786504CFA0E}"/>
+              </a:ext>
+            </a:extLst>
+          </p:cNvPr>
+          <p:cNvSpPr txBox="1">
+            <a:spLocks/>
+          </p:cNvSpPr>
+          <p:nvPr/>
+        </p:nvSpPr>
+        <p:spPr>
+          <a:xfrm>
+            <a:off x="4123630" y="6523037"/>
+            <a:ext cx="5400600" cy="365125"/>
+          </a:xfrm>
+          <a:prstGeom prst="rect">
+            <a:avLst/>
+          </a:prstGeom>
+        </p:spPr>
+        <p:txBody>
+          <a:bodyPr/>
+          <a:lstStyle>
+            <a:defPPr>
+              <a:defRPr lang="en-US"/>
+            </a:defPPr>
+            <a:lvl1pPr marL="0" algn="l" defTabSz="914400" rtl="0" eaLnBrk="1" latinLnBrk="0" hangingPunct="1">
+              <a:defRPr sz="1050" kern="1200">
+                <a:solidFill>
+                  <a:schemeClr val="tx1"/>
+                </a:solidFill>
+                <a:latin typeface="+mn-lt"/>
+                <a:ea typeface="+mn-ea"/>
+                <a:cs typeface="+mn-cs"/>
+              </a:defRPr>
+            </a:lvl1pPr>
+            <a:lvl2pPr marL="457200" algn="l" defTabSz="914400" rtl="0" eaLnBrk="1" latinLnBrk="0" hangingPunct="1">
+              <a:defRPr sz="1800" kern="1200">
+                <a:solidFill>
+                  <a:schemeClr val="tx1"/>
+                </a:solidFill>
+                <a:latin typeface="+mn-lt"/>
+                <a:ea typeface="+mn-ea"/>
+                <a:cs typeface="+mn-cs"/>
+              </a:defRPr>
+            </a:lvl2pPr>
+            <a:lvl3pPr marL="914400" algn="l" defTabSz="914400" rtl="0" eaLnBrk="1" latinLnBrk="0" hangingPunct="1">
+              <a:defRPr sz="1800" kern="1200">
+                <a:solidFill>
+                  <a:schemeClr val="tx1"/>
+                </a:solidFill>
+                <a:latin typeface="+mn-lt"/>
+                <a:ea typeface="+mn-ea"/>
+                <a:cs typeface="+mn-cs"/>
+              </a:defRPr>
+            </a:lvl3pPr>
+            <a:lvl4pPr marL="1371600" algn="l" defTabSz="914400" rtl="0" eaLnBrk="1" latinLnBrk="0" hangingPunct="1">
+              <a:defRPr sz="1800" kern="1200">
+                <a:solidFill>
+                  <a:schemeClr val="tx1"/>
+                </a:solidFill>
+                <a:latin typeface="+mn-lt"/>
+                <a:ea typeface="+mn-ea"/>
+                <a:cs typeface="+mn-cs"/>
+              </a:defRPr>
+            </a:lvl4pPr>
+            <a:lvl5pPr marL="1828800" algn="l" defTabSz="914400" rtl="0" eaLnBrk="1" latinLnBrk="0" hangingPunct="1">
+              <a:defRPr sz="1800" kern="1200">
+                <a:solidFill>
+                  <a:schemeClr val="tx1"/>
+                </a:solidFill>
+                <a:latin typeface="+mn-lt"/>
+                <a:ea typeface="+mn-ea"/>
+                <a:cs typeface="+mn-cs"/>
+              </a:defRPr>
+            </a:lvl5pPr>
+            <a:lvl6pPr marL="2286000" algn="l" defTabSz="914400" rtl="0" eaLnBrk="1" latinLnBrk="0" hangingPunct="1">
+              <a:defRPr sz="1800" kern="1200">
+                <a:solidFill>
+                  <a:schemeClr val="tx1"/>
+                </a:solidFill>
+                <a:latin typeface="+mn-lt"/>
+                <a:ea typeface="+mn-ea"/>
+                <a:cs typeface="+mn-cs"/>
+              </a:defRPr>
+            </a:lvl6pPr>
+            <a:lvl7pPr marL="2743200" algn="l" defTabSz="914400" rtl="0" eaLnBrk="1" latinLnBrk="0" hangingPunct="1">
+              <a:defRPr sz="1800" kern="1200">
+                <a:solidFill>
+                  <a:schemeClr val="tx1"/>
+                </a:solidFill>
+                <a:latin typeface="+mn-lt"/>
+                <a:ea typeface="+mn-ea"/>
+                <a:cs typeface="+mn-cs"/>
+              </a:defRPr>
+            </a:lvl7pPr>
+            <a:lvl8pPr marL="3200400" algn="l" defTabSz="914400" rtl="0" eaLnBrk="1" latinLnBrk="0" hangingPunct="1">
+              <a:defRPr sz="1800" kern="1200">
+                <a:solidFill>
+                  <a:schemeClr val="tx1"/>
+                </a:solidFill>
+                <a:latin typeface="+mn-lt"/>
+                <a:ea typeface="+mn-ea"/>
+                <a:cs typeface="+mn-cs"/>
+              </a:defRPr>
+            </a:lvl8pPr>
+            <a:lvl9pPr marL="3657600" algn="l" defTabSz="914400" rtl="0" eaLnBrk="1" latinLnBrk="0" hangingPunct="1">
+              <a:defRPr sz="1800" kern="1200">
+                <a:solidFill>
+                  <a:schemeClr val="tx1"/>
+                </a:solidFill>
+                <a:latin typeface="+mn-lt"/>
+                <a:ea typeface="+mn-ea"/>
+                <a:cs typeface="+mn-cs"/>
+              </a:defRPr>
+            </a:lvl9pPr>
+          </a:lstStyle>
+          <a:p>
+            <a:r>
+              <a:rPr lang="en-US" dirty="0"/>
+              <a:t>Infoway Technologies, 3rd  Floor Commerce Centre, Rambaug Colony, Paud Road Pune 411038</a:t>
+            </a:r>
+            <a:endParaRPr lang="en-IN" dirty="0"/>
+          </a:p>
+          <a:p>
+            <a:endParaRPr lang="en-US" dirty="0"/>
+          </a:p>
+        </p:txBody>
+      </p:sp>
+      <p:pic>
+        <p:nvPicPr>
+          <p:cNvPr id="1027" name="Picture 3"/>
+          <p:cNvPicPr>
+            <a:picLocks noChangeAspect="1" noChangeArrowheads="1"/>
+          </p:cNvPicPr>
+          <p:nvPr/>
+        </p:nvPicPr>
+        <p:blipFill>
+          <a:blip r:embed="rId6"/>
+          <a:srcRect/>
+          <a:stretch>
+            <a:fillRect/>
+          </a:stretch>
+        </p:blipFill>
+        <p:spPr bwMode="auto">
+          <a:xfrm>
+            <a:off x="5523702" y="2428869"/>
+            <a:ext cx="5214974" cy="2066675"/>
+          </a:xfrm>
+          <a:prstGeom prst="rect">
+            <a:avLst/>
+          </a:prstGeom>
+          <a:noFill/>
+          <a:ln w="9525">
+            <a:noFill/>
+            <a:miter lim="800000"/>
+            <a:headEnd/>
+            <a:tailEnd/>
+          </a:ln>
+          <a:effectLst/>
+        </p:spPr>
+      </p:pic>
+      <p:pic>
+        <p:nvPicPr>
+          <p:cNvPr id="1028" name="Picture 4"/>
+          <p:cNvPicPr>
+            <a:picLocks noChangeAspect="1" noChangeArrowheads="1"/>
+          </p:cNvPicPr>
+          <p:nvPr/>
+        </p:nvPicPr>
+        <p:blipFill>
+          <a:blip r:embed="rId7"/>
+          <a:srcRect/>
+          <a:stretch>
+            <a:fillRect/>
+          </a:stretch>
+        </p:blipFill>
+        <p:spPr bwMode="auto">
+          <a:xfrm>
+            <a:off x="165852" y="2428868"/>
+            <a:ext cx="4786346" cy="1595449"/>
+          </a:xfrm>
+          <a:prstGeom prst="rect">
+            <a:avLst/>
+          </a:prstGeom>
+          <a:noFill/>
+          <a:ln w="9525">
+            <a:noFill/>
+            <a:miter lim="800000"/>
+            <a:headEnd/>
+            <a:tailEnd/>
+          </a:ln>
+          <a:effectLst/>
+        </p:spPr>
+      </p:pic>
     </p:spTree>
     <p:extLst>
       <p:ext uri="{BB962C8B-B14F-4D97-AF65-F5344CB8AC3E}">
-        <p14:creationId xmlns:p14="http://schemas.microsoft.com/office/powerpoint/2010/main" xmlns="" val="1792769669"/>
+        <p14:creationId xmlns="" xmlns:p14="http://schemas.microsoft.com/office/powerpoint/2010/main" val="1792769669"/>
       </p:ext>
     </p:extLst>
   </p:cSld>
